--- a/reports/Al rescate de la Línea Joven.pptx
+++ b/reports/Al rescate de la Línea Joven.pptx
@@ -7316,6 +7316,47 @@
                 </a:solidFill>
               </a:rPr>
               <a:t>Guillermo Tapia</a:t>
+            </a:r>
+          </a:p>
+        </p:txBody>
+      </p:sp>
+      <p:sp>
+        <p:nvSpPr>
+          <p:cNvPr id="4" name="TextBox 3">
+            <a:extLst>
+              <a:ext uri="{FF2B5EF4-FFF2-40B4-BE49-F238E27FC236}">
+                <a16:creationId xmlns:a16="http://schemas.microsoft.com/office/drawing/2014/main" id="{694E92E9-26DF-793C-9213-94CA485E8D25}"/>
+              </a:ext>
+            </a:extLst>
+          </p:cNvPr>
+          <p:cNvSpPr txBox="1"/>
+          <p:nvPr/>
+        </p:nvSpPr>
+        <p:spPr>
+          <a:xfrm>
+            <a:off x="6429935" y="1827911"/>
+            <a:ext cx="3951194" cy="369332"/>
+          </a:xfrm>
+          <a:prstGeom prst="rect">
+            <a:avLst/>
+          </a:prstGeom>
+          <a:noFill/>
+        </p:spPr>
+        <p:txBody>
+          <a:bodyPr wrap="square">
+            <a:spAutoFit/>
+          </a:bodyPr>
+          <a:lstStyle/>
+          <a:p>
+            <a:r>
+              <a:rPr lang="es-EC" dirty="0">
+                <a:hlinkClick r:id="rId3"/>
+              </a:rPr>
+              <a:t>https://github.com/Guillo-bit/Beletza</a:t>
+            </a:r>
+            <a:r>
+              <a:rPr lang="es-EC" dirty="0"/>
+              <a:t> </a:t>
             </a:r>
           </a:p>
         </p:txBody>
@@ -12779,23 +12820,12 @@
 </file>
 
 <file path=customXml/item1.xml><?xml version="1.0" encoding="utf-8"?>
-<p:properties xmlns:p="http://schemas.microsoft.com/office/2006/metadata/properties" xmlns:xsi="http://www.w3.org/2001/XMLSchema-instance" xmlns:pc="http://schemas.microsoft.com/office/infopath/2007/PartnerControls">
-  <documentManagement>
-    <_ip_UnifiedCompliancePolicyUIAction xmlns="http://schemas.microsoft.com/sharepoint/v3" xsi:nil="true"/>
-    <Image xmlns="71af3243-3dd4-4a8d-8c0d-dd76da1f02a5">
-      <Url xsi:nil="true"/>
-      <Description xsi:nil="true"/>
-    </Image>
-    <Status xmlns="71af3243-3dd4-4a8d-8c0d-dd76da1f02a5">Not started</Status>
-    <Background xmlns="71af3243-3dd4-4a8d-8c0d-dd76da1f02a5">false</Background>
-    <_ip_UnifiedCompliancePolicyProperties xmlns="http://schemas.microsoft.com/sharepoint/v3" xsi:nil="true"/>
-    <ImageTagsTaxHTField xmlns="71af3243-3dd4-4a8d-8c0d-dd76da1f02a5">
-      <Terms xmlns="http://schemas.microsoft.com/office/infopath/2007/PartnerControls"/>
-    </ImageTagsTaxHTField>
-    <TaxCatchAll xmlns="230e9df3-be65-4c73-a93b-d1236ebd677e" xsi:nil="true"/>
-    <MediaServiceKeyPoints xmlns="71af3243-3dd4-4a8d-8c0d-dd76da1f02a5" xsi:nil="true"/>
-  </documentManagement>
-</p:properties>
+<?mso-contentType ?>
+<FormTemplates xmlns="http://schemas.microsoft.com/sharepoint/v3/contenttype/forms">
+  <Display>DocumentLibraryForm</Display>
+  <Edit>DocumentLibraryForm</Edit>
+  <New>DocumentLibraryForm</New>
+</FormTemplates>
 </file>
 
 <file path=customXml/item2.xml><?xml version="1.0" encoding="utf-8"?>
@@ -13111,22 +13141,29 @@
 </file>
 
 <file path=customXml/item3.xml><?xml version="1.0" encoding="utf-8"?>
-<?mso-contentType ?>
-<FormTemplates xmlns="http://schemas.microsoft.com/sharepoint/v3/contenttype/forms">
-  <Display>DocumentLibraryForm</Display>
-  <Edit>DocumentLibraryForm</Edit>
-  <New>DocumentLibraryForm</New>
-</FormTemplates>
+<p:properties xmlns:p="http://schemas.microsoft.com/office/2006/metadata/properties" xmlns:xsi="http://www.w3.org/2001/XMLSchema-instance" xmlns:pc="http://schemas.microsoft.com/office/infopath/2007/PartnerControls">
+  <documentManagement>
+    <_ip_UnifiedCompliancePolicyUIAction xmlns="http://schemas.microsoft.com/sharepoint/v3" xsi:nil="true"/>
+    <Image xmlns="71af3243-3dd4-4a8d-8c0d-dd76da1f02a5">
+      <Url xsi:nil="true"/>
+      <Description xsi:nil="true"/>
+    </Image>
+    <Status xmlns="71af3243-3dd4-4a8d-8c0d-dd76da1f02a5">Not started</Status>
+    <Background xmlns="71af3243-3dd4-4a8d-8c0d-dd76da1f02a5">false</Background>
+    <_ip_UnifiedCompliancePolicyProperties xmlns="http://schemas.microsoft.com/sharepoint/v3" xsi:nil="true"/>
+    <ImageTagsTaxHTField xmlns="71af3243-3dd4-4a8d-8c0d-dd76da1f02a5">
+      <Terms xmlns="http://schemas.microsoft.com/office/infopath/2007/PartnerControls"/>
+    </ImageTagsTaxHTField>
+    <TaxCatchAll xmlns="230e9df3-be65-4c73-a93b-d1236ebd677e" xsi:nil="true"/>
+    <MediaServiceKeyPoints xmlns="71af3243-3dd4-4a8d-8c0d-dd76da1f02a5" xsi:nil="true"/>
+  </documentManagement>
+</p:properties>
 </file>
 
 <file path=customXml/itemProps1.xml><?xml version="1.0" encoding="utf-8"?>
-<ds:datastoreItem xmlns:ds="http://schemas.openxmlformats.org/officeDocument/2006/customXml" ds:itemID="{AB045227-5724-4DBF-9712-031B1BFB2C3C}">
+<ds:datastoreItem xmlns:ds="http://schemas.openxmlformats.org/officeDocument/2006/customXml" ds:itemID="{B7B39BD0-040C-43BE-B0E4-512B09E8003F}">
   <ds:schemaRefs>
-    <ds:schemaRef ds:uri="http://schemas.microsoft.com/office/2006/metadata/properties"/>
-    <ds:schemaRef ds:uri="http://schemas.microsoft.com/office/infopath/2007/PartnerControls"/>
-    <ds:schemaRef ds:uri="http://schemas.microsoft.com/sharepoint/v3"/>
-    <ds:schemaRef ds:uri="71af3243-3dd4-4a8d-8c0d-dd76da1f02a5"/>
-    <ds:schemaRef ds:uri="230e9df3-be65-4c73-a93b-d1236ebd677e"/>
+    <ds:schemaRef ds:uri="http://schemas.microsoft.com/sharepoint/v3/contenttype/forms"/>
   </ds:schemaRefs>
 </ds:datastoreItem>
 </file>
@@ -13153,9 +13190,13 @@
 </file>
 
 <file path=customXml/itemProps3.xml><?xml version="1.0" encoding="utf-8"?>
-<ds:datastoreItem xmlns:ds="http://schemas.openxmlformats.org/officeDocument/2006/customXml" ds:itemID="{B7B39BD0-040C-43BE-B0E4-512B09E8003F}">
+<ds:datastoreItem xmlns:ds="http://schemas.openxmlformats.org/officeDocument/2006/customXml" ds:itemID="{AB045227-5724-4DBF-9712-031B1BFB2C3C}">
   <ds:schemaRefs>
-    <ds:schemaRef ds:uri="http://schemas.microsoft.com/sharepoint/v3/contenttype/forms"/>
+    <ds:schemaRef ds:uri="http://schemas.microsoft.com/office/2006/metadata/properties"/>
+    <ds:schemaRef ds:uri="http://schemas.microsoft.com/office/infopath/2007/PartnerControls"/>
+    <ds:schemaRef ds:uri="http://schemas.microsoft.com/sharepoint/v3"/>
+    <ds:schemaRef ds:uri="71af3243-3dd4-4a8d-8c0d-dd76da1f02a5"/>
+    <ds:schemaRef ds:uri="230e9df3-be65-4c73-a93b-d1236ebd677e"/>
   </ds:schemaRefs>
 </ds:datastoreItem>
 </file>

--- a/reports/Al rescate de la Línea Joven.pptx
+++ b/reports/Al rescate de la Línea Joven.pptx
@@ -5,10 +5,10 @@
     <p:sldMasterId id="2147483666" r:id="rId4"/>
   </p:sldMasterIdLst>
   <p:notesMasterIdLst>
-    <p:notesMasterId r:id="rId18"/>
+    <p:notesMasterId r:id="rId14"/>
   </p:notesMasterIdLst>
   <p:handoutMasterIdLst>
-    <p:handoutMasterId r:id="rId19"/>
+    <p:handoutMasterId r:id="rId15"/>
   </p:handoutMasterIdLst>
   <p:sldIdLst>
     <p:sldId id="314" r:id="rId5"/>
@@ -20,10 +20,6 @@
     <p:sldId id="320" r:id="rId11"/>
     <p:sldId id="321" r:id="rId12"/>
     <p:sldId id="322" r:id="rId13"/>
-    <p:sldId id="323" r:id="rId14"/>
-    <p:sldId id="324" r:id="rId15"/>
-    <p:sldId id="325" r:id="rId16"/>
-    <p:sldId id="309" r:id="rId17"/>
   </p:sldIdLst>
   <p:sldSz cx="12192000" cy="6858000"/>
   <p:notesSz cx="6858000" cy="9144000"/>
@@ -798,382 +794,6 @@
     <p:extLst>
       <p:ext uri="{BB962C8B-B14F-4D97-AF65-F5344CB8AC3E}">
         <p14:creationId xmlns:p14="http://schemas.microsoft.com/office/powerpoint/2010/main" val="2569137853"/>
-      </p:ext>
-    </p:extLst>
-  </p:cSld>
-  <p:clrMapOvr>
-    <a:masterClrMapping/>
-  </p:clrMapOvr>
-</p:notes>
-</file>
-
-<file path=ppt/notesSlides/notesSlide10.xml><?xml version="1.0" encoding="utf-8"?>
-<p:notes xmlns:a="http://schemas.openxmlformats.org/drawingml/2006/main" xmlns:r="http://schemas.openxmlformats.org/officeDocument/2006/relationships" xmlns:p="http://schemas.openxmlformats.org/presentationml/2006/main">
-  <p:cSld>
-    <p:spTree>
-      <p:nvGrpSpPr>
-        <p:cNvPr id="1" name=""/>
-        <p:cNvGrpSpPr/>
-        <p:nvPr/>
-      </p:nvGrpSpPr>
-      <p:grpSpPr>
-        <a:xfrm>
-          <a:off x="0" y="0"/>
-          <a:ext cx="0" cy="0"/>
-          <a:chOff x="0" y="0"/>
-          <a:chExt cx="0" cy="0"/>
-        </a:xfrm>
-      </p:grpSpPr>
-      <p:sp>
-        <p:nvSpPr>
-          <p:cNvPr id="2" name="Marcador de imagen de diapositiva 1"/>
-          <p:cNvSpPr>
-            <a:spLocks noGrp="1" noRot="1" noChangeAspect="1"/>
-          </p:cNvSpPr>
-          <p:nvPr>
-            <p:ph type="sldImg"/>
-          </p:nvPr>
-        </p:nvSpPr>
-        <p:spPr/>
-      </p:sp>
-      <p:sp>
-        <p:nvSpPr>
-          <p:cNvPr id="3" name="Marcador de notas 2"/>
-          <p:cNvSpPr>
-            <a:spLocks noGrp="1"/>
-          </p:cNvSpPr>
-          <p:nvPr>
-            <p:ph type="body" idx="1"/>
-          </p:nvPr>
-        </p:nvSpPr>
-        <p:spPr/>
-        <p:txBody>
-          <a:bodyPr rtlCol="0"/>
-          <a:lstStyle>
-            <a:defPPr>
-              <a:defRPr lang="es-ES"/>
-            </a:defPPr>
-          </a:lstStyle>
-          <a:p>
-            <a:pPr rtl="0"/>
-            <a:endParaRPr lang="es-ES" dirty="0"/>
-          </a:p>
-        </p:txBody>
-      </p:sp>
-      <p:sp>
-        <p:nvSpPr>
-          <p:cNvPr id="4" name="Marcador de número de diapositiva 3"/>
-          <p:cNvSpPr>
-            <a:spLocks noGrp="1"/>
-          </p:cNvSpPr>
-          <p:nvPr>
-            <p:ph type="sldNum" sz="quarter" idx="5"/>
-          </p:nvPr>
-        </p:nvSpPr>
-        <p:spPr/>
-        <p:txBody>
-          <a:bodyPr rtlCol="0"/>
-          <a:lstStyle>
-            <a:defPPr>
-              <a:defRPr lang="es-ES"/>
-            </a:defPPr>
-          </a:lstStyle>
-          <a:p>
-            <a:pPr rtl="0"/>
-            <a:fld id="{D4B9A9E5-4F7F-4A7D-9DE1-899232329269}" type="slidenum">
-              <a:rPr lang="es-ES" smtClean="0"/>
-              <a:t>10</a:t>
-            </a:fld>
-            <a:endParaRPr lang="es-ES" dirty="0"/>
-          </a:p>
-        </p:txBody>
-      </p:sp>
-    </p:spTree>
-    <p:extLst>
-      <p:ext uri="{BB962C8B-B14F-4D97-AF65-F5344CB8AC3E}">
-        <p14:creationId xmlns:p14="http://schemas.microsoft.com/office/powerpoint/2010/main" val="4110010862"/>
-      </p:ext>
-    </p:extLst>
-  </p:cSld>
-  <p:clrMapOvr>
-    <a:masterClrMapping/>
-  </p:clrMapOvr>
-</p:notes>
-</file>
-
-<file path=ppt/notesSlides/notesSlide11.xml><?xml version="1.0" encoding="utf-8"?>
-<p:notes xmlns:a="http://schemas.openxmlformats.org/drawingml/2006/main" xmlns:r="http://schemas.openxmlformats.org/officeDocument/2006/relationships" xmlns:p="http://schemas.openxmlformats.org/presentationml/2006/main">
-  <p:cSld>
-    <p:spTree>
-      <p:nvGrpSpPr>
-        <p:cNvPr id="1" name=""/>
-        <p:cNvGrpSpPr/>
-        <p:nvPr/>
-      </p:nvGrpSpPr>
-      <p:grpSpPr>
-        <a:xfrm>
-          <a:off x="0" y="0"/>
-          <a:ext cx="0" cy="0"/>
-          <a:chOff x="0" y="0"/>
-          <a:chExt cx="0" cy="0"/>
-        </a:xfrm>
-      </p:grpSpPr>
-      <p:sp>
-        <p:nvSpPr>
-          <p:cNvPr id="2" name="Marcador de imagen de diapositiva 1"/>
-          <p:cNvSpPr>
-            <a:spLocks noGrp="1" noRot="1" noChangeAspect="1"/>
-          </p:cNvSpPr>
-          <p:nvPr>
-            <p:ph type="sldImg"/>
-          </p:nvPr>
-        </p:nvSpPr>
-        <p:spPr/>
-      </p:sp>
-      <p:sp>
-        <p:nvSpPr>
-          <p:cNvPr id="3" name="Marcador de notas 2"/>
-          <p:cNvSpPr>
-            <a:spLocks noGrp="1"/>
-          </p:cNvSpPr>
-          <p:nvPr>
-            <p:ph type="body" idx="1"/>
-          </p:nvPr>
-        </p:nvSpPr>
-        <p:spPr/>
-        <p:txBody>
-          <a:bodyPr rtlCol="0"/>
-          <a:lstStyle>
-            <a:defPPr>
-              <a:defRPr lang="es-ES"/>
-            </a:defPPr>
-          </a:lstStyle>
-          <a:p>
-            <a:pPr rtl="0"/>
-            <a:endParaRPr lang="es-ES" dirty="0"/>
-          </a:p>
-        </p:txBody>
-      </p:sp>
-      <p:sp>
-        <p:nvSpPr>
-          <p:cNvPr id="4" name="Marcador de número de diapositiva 3"/>
-          <p:cNvSpPr>
-            <a:spLocks noGrp="1"/>
-          </p:cNvSpPr>
-          <p:nvPr>
-            <p:ph type="sldNum" sz="quarter" idx="5"/>
-          </p:nvPr>
-        </p:nvSpPr>
-        <p:spPr/>
-        <p:txBody>
-          <a:bodyPr rtlCol="0"/>
-          <a:lstStyle>
-            <a:defPPr>
-              <a:defRPr lang="es-ES"/>
-            </a:defPPr>
-          </a:lstStyle>
-          <a:p>
-            <a:pPr rtl="0"/>
-            <a:fld id="{D4B9A9E5-4F7F-4A7D-9DE1-899232329269}" type="slidenum">
-              <a:rPr lang="es-ES" smtClean="0"/>
-              <a:t>11</a:t>
-            </a:fld>
-            <a:endParaRPr lang="es-ES" dirty="0"/>
-          </a:p>
-        </p:txBody>
-      </p:sp>
-    </p:spTree>
-    <p:extLst>
-      <p:ext uri="{BB962C8B-B14F-4D97-AF65-F5344CB8AC3E}">
-        <p14:creationId xmlns:p14="http://schemas.microsoft.com/office/powerpoint/2010/main" val="679238203"/>
-      </p:ext>
-    </p:extLst>
-  </p:cSld>
-  <p:clrMapOvr>
-    <a:masterClrMapping/>
-  </p:clrMapOvr>
-</p:notes>
-</file>
-
-<file path=ppt/notesSlides/notesSlide12.xml><?xml version="1.0" encoding="utf-8"?>
-<p:notes xmlns:a="http://schemas.openxmlformats.org/drawingml/2006/main" xmlns:r="http://schemas.openxmlformats.org/officeDocument/2006/relationships" xmlns:p="http://schemas.openxmlformats.org/presentationml/2006/main">
-  <p:cSld>
-    <p:spTree>
-      <p:nvGrpSpPr>
-        <p:cNvPr id="1" name=""/>
-        <p:cNvGrpSpPr/>
-        <p:nvPr/>
-      </p:nvGrpSpPr>
-      <p:grpSpPr>
-        <a:xfrm>
-          <a:off x="0" y="0"/>
-          <a:ext cx="0" cy="0"/>
-          <a:chOff x="0" y="0"/>
-          <a:chExt cx="0" cy="0"/>
-        </a:xfrm>
-      </p:grpSpPr>
-      <p:sp>
-        <p:nvSpPr>
-          <p:cNvPr id="2" name="Marcador de imagen de diapositiva 1"/>
-          <p:cNvSpPr>
-            <a:spLocks noGrp="1" noRot="1" noChangeAspect="1"/>
-          </p:cNvSpPr>
-          <p:nvPr>
-            <p:ph type="sldImg"/>
-          </p:nvPr>
-        </p:nvSpPr>
-        <p:spPr/>
-      </p:sp>
-      <p:sp>
-        <p:nvSpPr>
-          <p:cNvPr id="3" name="Marcador de notas 2"/>
-          <p:cNvSpPr>
-            <a:spLocks noGrp="1"/>
-          </p:cNvSpPr>
-          <p:nvPr>
-            <p:ph type="body" idx="1"/>
-          </p:nvPr>
-        </p:nvSpPr>
-        <p:spPr/>
-        <p:txBody>
-          <a:bodyPr rtlCol="0"/>
-          <a:lstStyle>
-            <a:defPPr>
-              <a:defRPr lang="es-ES"/>
-            </a:defPPr>
-          </a:lstStyle>
-          <a:p>
-            <a:pPr rtl="0"/>
-            <a:endParaRPr lang="es-ES" dirty="0"/>
-          </a:p>
-        </p:txBody>
-      </p:sp>
-      <p:sp>
-        <p:nvSpPr>
-          <p:cNvPr id="4" name="Marcador de número de diapositiva 3"/>
-          <p:cNvSpPr>
-            <a:spLocks noGrp="1"/>
-          </p:cNvSpPr>
-          <p:nvPr>
-            <p:ph type="sldNum" sz="quarter" idx="5"/>
-          </p:nvPr>
-        </p:nvSpPr>
-        <p:spPr/>
-        <p:txBody>
-          <a:bodyPr rtlCol="0"/>
-          <a:lstStyle>
-            <a:defPPr>
-              <a:defRPr lang="es-ES"/>
-            </a:defPPr>
-          </a:lstStyle>
-          <a:p>
-            <a:pPr rtl="0"/>
-            <a:fld id="{D4B9A9E5-4F7F-4A7D-9DE1-899232329269}" type="slidenum">
-              <a:rPr lang="es-ES" smtClean="0"/>
-              <a:t>12</a:t>
-            </a:fld>
-            <a:endParaRPr lang="es-ES" dirty="0"/>
-          </a:p>
-        </p:txBody>
-      </p:sp>
-    </p:spTree>
-    <p:extLst>
-      <p:ext uri="{BB962C8B-B14F-4D97-AF65-F5344CB8AC3E}">
-        <p14:creationId xmlns:p14="http://schemas.microsoft.com/office/powerpoint/2010/main" val="2261767694"/>
-      </p:ext>
-    </p:extLst>
-  </p:cSld>
-  <p:clrMapOvr>
-    <a:masterClrMapping/>
-  </p:clrMapOvr>
-</p:notes>
-</file>
-
-<file path=ppt/notesSlides/notesSlide13.xml><?xml version="1.0" encoding="utf-8"?>
-<p:notes xmlns:a="http://schemas.openxmlformats.org/drawingml/2006/main" xmlns:r="http://schemas.openxmlformats.org/officeDocument/2006/relationships" xmlns:p="http://schemas.openxmlformats.org/presentationml/2006/main">
-  <p:cSld>
-    <p:spTree>
-      <p:nvGrpSpPr>
-        <p:cNvPr id="1" name=""/>
-        <p:cNvGrpSpPr/>
-        <p:nvPr/>
-      </p:nvGrpSpPr>
-      <p:grpSpPr>
-        <a:xfrm>
-          <a:off x="0" y="0"/>
-          <a:ext cx="0" cy="0"/>
-          <a:chOff x="0" y="0"/>
-          <a:chExt cx="0" cy="0"/>
-        </a:xfrm>
-      </p:grpSpPr>
-      <p:sp>
-        <p:nvSpPr>
-          <p:cNvPr id="2" name="Marcador de imagen de diapositiva 1"/>
-          <p:cNvSpPr>
-            <a:spLocks noGrp="1" noRot="1" noChangeAspect="1"/>
-          </p:cNvSpPr>
-          <p:nvPr>
-            <p:ph type="sldImg"/>
-          </p:nvPr>
-        </p:nvSpPr>
-        <p:spPr/>
-      </p:sp>
-      <p:sp>
-        <p:nvSpPr>
-          <p:cNvPr id="3" name="Marcador de notas 2"/>
-          <p:cNvSpPr>
-            <a:spLocks noGrp="1"/>
-          </p:cNvSpPr>
-          <p:nvPr>
-            <p:ph type="body" idx="1"/>
-          </p:nvPr>
-        </p:nvSpPr>
-        <p:spPr/>
-        <p:txBody>
-          <a:bodyPr rtlCol="0"/>
-          <a:lstStyle>
-            <a:defPPr>
-              <a:defRPr lang="es-ES"/>
-            </a:defPPr>
-          </a:lstStyle>
-          <a:p>
-            <a:pPr rtl="0"/>
-            <a:endParaRPr lang="es-ES" dirty="0"/>
-          </a:p>
-        </p:txBody>
-      </p:sp>
-      <p:sp>
-        <p:nvSpPr>
-          <p:cNvPr id="4" name="Marcador de número de diapositiva 3"/>
-          <p:cNvSpPr>
-            <a:spLocks noGrp="1"/>
-          </p:cNvSpPr>
-          <p:nvPr>
-            <p:ph type="sldNum" sz="quarter" idx="5"/>
-          </p:nvPr>
-        </p:nvSpPr>
-        <p:spPr/>
-        <p:txBody>
-          <a:bodyPr rtlCol="0"/>
-          <a:lstStyle>
-            <a:defPPr>
-              <a:defRPr lang="es-ES"/>
-            </a:defPPr>
-          </a:lstStyle>
-          <a:p>
-            <a:pPr rtl="0"/>
-            <a:fld id="{D4B9A9E5-4F7F-4A7D-9DE1-899232329269}" type="slidenum">
-              <a:rPr lang="es-ES" smtClean="0"/>
-              <a:t>13</a:t>
-            </a:fld>
-            <a:endParaRPr lang="es-ES" dirty="0"/>
-          </a:p>
-        </p:txBody>
-      </p:sp>
-    </p:spTree>
-    <p:extLst>
-      <p:ext uri="{BB962C8B-B14F-4D97-AF65-F5344CB8AC3E}">
-        <p14:creationId xmlns:p14="http://schemas.microsoft.com/office/powerpoint/2010/main" val="2429966596"/>
       </p:ext>
     </p:extLst>
   </p:cSld>
@@ -7365,2371 +6985,6 @@
     <p:extLst>
       <p:ext uri="{BB962C8B-B14F-4D97-AF65-F5344CB8AC3E}">
         <p14:creationId xmlns:p14="http://schemas.microsoft.com/office/powerpoint/2010/main" val="2945390068"/>
-      </p:ext>
-    </p:extLst>
-  </p:cSld>
-  <p:clrMapOvr>
-    <a:masterClrMapping/>
-  </p:clrMapOvr>
-</p:sld>
-</file>
-
-<file path=ppt/slides/slide10.xml><?xml version="1.0" encoding="utf-8"?>
-<p:sld xmlns:a="http://schemas.openxmlformats.org/drawingml/2006/main" xmlns:r="http://schemas.openxmlformats.org/officeDocument/2006/relationships" xmlns:p="http://schemas.openxmlformats.org/presentationml/2006/main">
-  <p:cSld>
-    <p:spTree>
-      <p:nvGrpSpPr>
-        <p:cNvPr id="1" name=""/>
-        <p:cNvGrpSpPr/>
-        <p:nvPr/>
-      </p:nvGrpSpPr>
-      <p:grpSpPr>
-        <a:xfrm>
-          <a:off x="0" y="0"/>
-          <a:ext cx="0" cy="0"/>
-          <a:chOff x="0" y="0"/>
-          <a:chExt cx="0" cy="0"/>
-        </a:xfrm>
-      </p:grpSpPr>
-      <p:sp>
-        <p:nvSpPr>
-          <p:cNvPr id="2" name="Título 1">
-            <a:extLst>
-              <a:ext uri="{FF2B5EF4-FFF2-40B4-BE49-F238E27FC236}">
-                <a16:creationId xmlns:a16="http://schemas.microsoft.com/office/drawing/2014/main" id="{8ED62B2F-534F-A196-1186-33D282CE3C7F}"/>
-              </a:ext>
-            </a:extLst>
-          </p:cNvPr>
-          <p:cNvSpPr>
-            <a:spLocks noGrp="1"/>
-          </p:cNvSpPr>
-          <p:nvPr>
-            <p:ph type="title"/>
-          </p:nvPr>
-        </p:nvSpPr>
-        <p:spPr>
-          <a:xfrm>
-            <a:off x="914399" y="365125"/>
-            <a:ext cx="10363202" cy="1603462"/>
-          </a:xfrm>
-        </p:spPr>
-        <p:txBody>
-          <a:bodyPr rtlCol="0"/>
-          <a:lstStyle>
-            <a:defPPr>
-              <a:defRPr lang="es-ES"/>
-            </a:defPPr>
-          </a:lstStyle>
-          <a:p>
-            <a:pPr rtl="0"/>
-            <a:r>
-              <a:rPr lang="es-ES"/>
-              <a:t>Información general del mercado</a:t>
-            </a:r>
-          </a:p>
-        </p:txBody>
-      </p:sp>
-      <p:sp>
-        <p:nvSpPr>
-          <p:cNvPr id="3" name="Marcador de contenido 2">
-            <a:extLst>
-              <a:ext uri="{FF2B5EF4-FFF2-40B4-BE49-F238E27FC236}">
-                <a16:creationId xmlns:a16="http://schemas.microsoft.com/office/drawing/2014/main" id="{93C71586-1388-197C-1294-83D4DD85293E}"/>
-              </a:ext>
-            </a:extLst>
-          </p:cNvPr>
-          <p:cNvSpPr>
-            <a:spLocks noGrp="1"/>
-          </p:cNvSpPr>
-          <p:nvPr>
-            <p:ph sz="quarter" idx="10"/>
-          </p:nvPr>
-        </p:nvSpPr>
-        <p:spPr>
-          <a:xfrm>
-            <a:off x="914399" y="2022250"/>
-            <a:ext cx="3299013" cy="3914910"/>
-          </a:xfrm>
-        </p:spPr>
-        <p:txBody>
-          <a:bodyPr rtlCol="0"/>
-          <a:lstStyle>
-            <a:defPPr>
-              <a:defRPr lang="es-ES"/>
-            </a:defPPr>
-          </a:lstStyle>
-          <a:p>
-            <a:pPr rtl="0"/>
-            <a:r>
-              <a:rPr lang="es-ES" dirty="0"/>
-              <a:t>Oportunidad de crear</a:t>
-            </a:r>
-          </a:p>
-          <a:p>
-            <a:pPr rtl="0"/>
-            <a:r>
-              <a:rPr lang="es-ES" dirty="0"/>
-              <a:t>Mercado totalmente inclusivo</a:t>
-            </a:r>
-          </a:p>
-          <a:p>
-            <a:pPr rtl="0"/>
-            <a:r>
-              <a:rPr lang="es-ES" dirty="0"/>
-              <a:t>Mercado total disponible</a:t>
-            </a:r>
-          </a:p>
-          <a:p>
-            <a:pPr rtl="0"/>
-            <a:r>
-              <a:rPr lang="es-ES" noProof="1"/>
-              <a:t>Libertad para crear</a:t>
-            </a:r>
-            <a:endParaRPr lang="es-ES" dirty="0"/>
-          </a:p>
-          <a:p>
-            <a:pPr rtl="0"/>
-            <a:r>
-              <a:rPr lang="es-ES" noProof="1"/>
-              <a:t>Mercado inclusivo de forma selectiva</a:t>
-            </a:r>
-          </a:p>
-          <a:p>
-            <a:pPr rtl="0"/>
-            <a:r>
-              <a:rPr lang="es-ES" noProof="1"/>
-              <a:t>Mercado disponible útil</a:t>
-            </a:r>
-          </a:p>
-        </p:txBody>
-      </p:sp>
-      <p:graphicFrame>
-        <p:nvGraphicFramePr>
-          <p:cNvPr id="6" name="Tabla 11">
-            <a:extLst>
-              <a:ext uri="{FF2B5EF4-FFF2-40B4-BE49-F238E27FC236}">
-                <a16:creationId xmlns:a16="http://schemas.microsoft.com/office/drawing/2014/main" id="{2EE5D6E7-8306-54E8-220A-099D3B755FFE}"/>
-              </a:ext>
-            </a:extLst>
-          </p:cNvPr>
-          <p:cNvGraphicFramePr>
-            <a:graphicFrameLocks noGrp="1"/>
-          </p:cNvGraphicFramePr>
-          <p:nvPr>
-            <p:ph type="tbl" sz="quarter" idx="11"/>
-            <p:extLst>
-              <p:ext uri="{D42A27DB-BD31-4B8C-83A1-F6EECF244321}">
-                <p14:modId xmlns:p14="http://schemas.microsoft.com/office/powerpoint/2010/main" val="3742760090"/>
-              </p:ext>
-            </p:extLst>
-          </p:nvPr>
-        </p:nvGraphicFramePr>
-        <p:xfrm>
-          <a:off x="4602163" y="2017713"/>
-          <a:ext cx="6675294" cy="3925485"/>
-        </p:xfrm>
-        <a:graphic>
-          <a:graphicData uri="http://schemas.openxmlformats.org/drawingml/2006/table">
-            <a:tbl>
-              <a:tblPr firstRow="1" bandRow="1">
-                <a:tableStyleId>{5C22544A-7EE6-4342-B048-85BDC9FD1C3A}</a:tableStyleId>
-              </a:tblPr>
-              <a:tblGrid>
-                <a:gridCol w="1085272">
-                  <a:extLst>
-                    <a:ext uri="{9D8B030D-6E8A-4147-A177-3AD203B41FA5}">
-                      <a16:colId xmlns:a16="http://schemas.microsoft.com/office/drawing/2014/main" val="3233966979"/>
-                    </a:ext>
-                  </a:extLst>
-                </a:gridCol>
-                <a:gridCol w="1085272">
-                  <a:extLst>
-                    <a:ext uri="{9D8B030D-6E8A-4147-A177-3AD203B41FA5}">
-                      <a16:colId xmlns:a16="http://schemas.microsoft.com/office/drawing/2014/main" val="1158840958"/>
-                    </a:ext>
-                  </a:extLst>
-                </a:gridCol>
-                <a:gridCol w="1085272">
-                  <a:extLst>
-                    <a:ext uri="{9D8B030D-6E8A-4147-A177-3AD203B41FA5}">
-                      <a16:colId xmlns:a16="http://schemas.microsoft.com/office/drawing/2014/main" val="1014947327"/>
-                    </a:ext>
-                  </a:extLst>
-                </a:gridCol>
-                <a:gridCol w="1709739">
-                  <a:extLst>
-                    <a:ext uri="{9D8B030D-6E8A-4147-A177-3AD203B41FA5}">
-                      <a16:colId xmlns:a16="http://schemas.microsoft.com/office/drawing/2014/main" val="2653728004"/>
-                    </a:ext>
-                  </a:extLst>
-                </a:gridCol>
-                <a:gridCol w="1709739">
-                  <a:extLst>
-                    <a:ext uri="{9D8B030D-6E8A-4147-A177-3AD203B41FA5}">
-                      <a16:colId xmlns:a16="http://schemas.microsoft.com/office/drawing/2014/main" val="4218738779"/>
-                    </a:ext>
-                  </a:extLst>
-                </a:gridCol>
-              </a:tblGrid>
-              <a:tr h="785097">
-                <a:tc>
-                  <a:txBody>
-                    <a:bodyPr/>
-                    <a:lstStyle>
-                      <a:defPPr>
-                        <a:defRPr lang="es-ES"/>
-                      </a:defPPr>
-                    </a:lstStyle>
-                    <a:p>
-                      <a:pPr algn="l" rtl="0"/>
-                      <a:endParaRPr lang="es-ES" sz="1800" noProof="0" dirty="0">
-                        <a:solidFill>
-                          <a:schemeClr val="tx1"/>
-                        </a:solidFill>
-                      </a:endParaRPr>
-                    </a:p>
-                  </a:txBody>
-                  <a:tcPr/>
-                </a:tc>
-                <a:tc>
-                  <a:txBody>
-                    <a:bodyPr/>
-                    <a:lstStyle>
-                      <a:defPPr>
-                        <a:defRPr lang="es-ES"/>
-                      </a:defPPr>
-                    </a:lstStyle>
-                    <a:p>
-                      <a:pPr algn="l" rtl="0"/>
-                      <a:r>
-                        <a:rPr lang="es-ES" sz="1800" noProof="0" dirty="0">
-                          <a:solidFill>
-                            <a:schemeClr val="tx1"/>
-                          </a:solidFill>
-                        </a:rPr>
-                        <a:t>Clientes</a:t>
-                      </a:r>
-                    </a:p>
-                  </a:txBody>
-                  <a:tcPr marL="95186" marR="95186" marT="47593" marB="47593" anchor="ctr"/>
-                </a:tc>
-                <a:tc>
-                  <a:txBody>
-                    <a:bodyPr/>
-                    <a:lstStyle>
-                      <a:defPPr>
-                        <a:defRPr lang="es-ES"/>
-                      </a:defPPr>
-                    </a:lstStyle>
-                    <a:p>
-                      <a:pPr algn="l" rtl="0"/>
-                      <a:r>
-                        <a:rPr lang="es-ES" sz="1800" noProof="0" dirty="0">
-                          <a:solidFill>
-                            <a:schemeClr val="tx1"/>
-                          </a:solidFill>
-                        </a:rPr>
-                        <a:t>Pedidos</a:t>
-                      </a:r>
-                    </a:p>
-                  </a:txBody>
-                  <a:tcPr marL="95186" marR="95186" marT="47593" marB="47593" anchor="ctr"/>
-                </a:tc>
-                <a:tc>
-                  <a:txBody>
-                    <a:bodyPr/>
-                    <a:lstStyle>
-                      <a:defPPr>
-                        <a:defRPr lang="es-ES"/>
-                      </a:defPPr>
-                    </a:lstStyle>
-                    <a:p>
-                      <a:pPr algn="l" rtl="0"/>
-                      <a:r>
-                        <a:rPr lang="es-ES" sz="1800" noProof="0" dirty="0">
-                          <a:solidFill>
-                            <a:schemeClr val="tx1"/>
-                          </a:solidFill>
-                        </a:rPr>
-                        <a:t>Ingresos brutos</a:t>
-                      </a:r>
-                    </a:p>
-                  </a:txBody>
-                  <a:tcPr marL="95186" marR="95186" marT="47593" marB="47593" anchor="ctr"/>
-                </a:tc>
-                <a:tc>
-                  <a:txBody>
-                    <a:bodyPr/>
-                    <a:lstStyle>
-                      <a:defPPr>
-                        <a:defRPr lang="es-ES"/>
-                      </a:defPPr>
-                    </a:lstStyle>
-                    <a:p>
-                      <a:pPr algn="l" rtl="0"/>
-                      <a:r>
-                        <a:rPr lang="es-ES" sz="1800" noProof="0" dirty="0">
-                          <a:solidFill>
-                            <a:schemeClr val="tx1"/>
-                          </a:solidFill>
-                        </a:rPr>
-                        <a:t>Ingresos netos</a:t>
-                      </a:r>
-                    </a:p>
-                  </a:txBody>
-                  <a:tcPr marL="95186" marR="95186" marT="47593" marB="47593" anchor="ctr"/>
-                </a:tc>
-                <a:extLst>
-                  <a:ext uri="{0D108BD9-81ED-4DB2-BD59-A6C34878D82A}">
-                    <a16:rowId xmlns:a16="http://schemas.microsoft.com/office/drawing/2014/main" val="3213590700"/>
-                  </a:ext>
-                </a:extLst>
-              </a:tr>
-              <a:tr h="785097">
-                <a:tc>
-                  <a:txBody>
-                    <a:bodyPr/>
-                    <a:lstStyle>
-                      <a:defPPr>
-                        <a:defRPr lang="es-ES"/>
-                      </a:defPPr>
-                    </a:lstStyle>
-                    <a:p>
-                      <a:pPr algn="l" rtl="0"/>
-                      <a:r>
-                        <a:rPr lang="es-ES" sz="1800" noProof="0" dirty="0">
-                          <a:solidFill>
-                            <a:schemeClr val="tx1"/>
-                          </a:solidFill>
-                        </a:rPr>
-                        <a:t>20XX</a:t>
-                      </a:r>
-                    </a:p>
-                  </a:txBody>
-                  <a:tcPr anchor="ctr"/>
-                </a:tc>
-                <a:tc>
-                  <a:txBody>
-                    <a:bodyPr/>
-                    <a:lstStyle>
-                      <a:defPPr>
-                        <a:defRPr lang="es-ES"/>
-                      </a:defPPr>
-                    </a:lstStyle>
-                    <a:p>
-                      <a:pPr algn="l" rtl="0"/>
-                      <a:r>
-                        <a:rPr lang="es-ES" sz="1800" noProof="0" dirty="0">
-                          <a:solidFill>
-                            <a:schemeClr val="tx1"/>
-                          </a:solidFill>
-                        </a:rPr>
-                        <a:t>10</a:t>
-                      </a:r>
-                    </a:p>
-                  </a:txBody>
-                  <a:tcPr marL="95186" marR="95186" marT="47593" marB="47593" anchor="ctr"/>
-                </a:tc>
-                <a:tc>
-                  <a:txBody>
-                    <a:bodyPr/>
-                    <a:lstStyle>
-                      <a:defPPr>
-                        <a:defRPr lang="es-ES"/>
-                      </a:defPPr>
-                    </a:lstStyle>
-                    <a:p>
-                      <a:pPr algn="l" rtl="0"/>
-                      <a:r>
-                        <a:rPr lang="es-ES" sz="1800" noProof="0" dirty="0">
-                          <a:solidFill>
-                            <a:schemeClr val="tx1"/>
-                          </a:solidFill>
-                        </a:rPr>
-                        <a:t>1100</a:t>
-                      </a:r>
-                    </a:p>
-                  </a:txBody>
-                  <a:tcPr marL="95186" marR="95186" marT="47593" marB="47593" anchor="ctr"/>
-                </a:tc>
-                <a:tc>
-                  <a:txBody>
-                    <a:bodyPr/>
-                    <a:lstStyle>
-                      <a:defPPr>
-                        <a:defRPr lang="es-ES"/>
-                      </a:defPPr>
-                    </a:lstStyle>
-                    <a:p>
-                      <a:pPr algn="l" rtl="0"/>
-                      <a:r>
-                        <a:rPr lang="es-ES" sz="1800" noProof="0" dirty="0">
-                          <a:solidFill>
-                            <a:schemeClr val="tx1"/>
-                          </a:solidFill>
-                        </a:rPr>
-                        <a:t>10 000 €</a:t>
-                      </a:r>
-                    </a:p>
-                  </a:txBody>
-                  <a:tcPr marL="95186" marR="95186" marT="47593" marB="47593" anchor="ctr"/>
-                </a:tc>
-                <a:tc>
-                  <a:txBody>
-                    <a:bodyPr/>
-                    <a:lstStyle>
-                      <a:defPPr>
-                        <a:defRPr lang="es-ES"/>
-                      </a:defPPr>
-                    </a:lstStyle>
-                    <a:p>
-                      <a:pPr algn="l" rtl="0"/>
-                      <a:r>
-                        <a:rPr lang="es-ES" sz="1800" noProof="0" dirty="0">
-                          <a:solidFill>
-                            <a:schemeClr val="tx1"/>
-                          </a:solidFill>
-                        </a:rPr>
-                        <a:t>7 000 €</a:t>
-                      </a:r>
-                    </a:p>
-                  </a:txBody>
-                  <a:tcPr marL="95186" marR="95186" marT="47593" marB="47593" anchor="ctr"/>
-                </a:tc>
-                <a:extLst>
-                  <a:ext uri="{0D108BD9-81ED-4DB2-BD59-A6C34878D82A}">
-                    <a16:rowId xmlns:a16="http://schemas.microsoft.com/office/drawing/2014/main" val="2830826746"/>
-                  </a:ext>
-                </a:extLst>
-              </a:tr>
-              <a:tr h="785097">
-                <a:tc>
-                  <a:txBody>
-                    <a:bodyPr/>
-                    <a:lstStyle>
-                      <a:defPPr>
-                        <a:defRPr lang="es-ES"/>
-                      </a:defPPr>
-                    </a:lstStyle>
-                    <a:p>
-                      <a:pPr algn="l" rtl="0"/>
-                      <a:r>
-                        <a:rPr lang="es-ES" sz="1800" noProof="0" dirty="0">
-                          <a:solidFill>
-                            <a:schemeClr val="tx1"/>
-                          </a:solidFill>
-                        </a:rPr>
-                        <a:t>20XX</a:t>
-                      </a:r>
-                    </a:p>
-                  </a:txBody>
-                  <a:tcPr anchor="ctr"/>
-                </a:tc>
-                <a:tc>
-                  <a:txBody>
-                    <a:bodyPr/>
-                    <a:lstStyle>
-                      <a:defPPr>
-                        <a:defRPr lang="es-ES"/>
-                      </a:defPPr>
-                    </a:lstStyle>
-                    <a:p>
-                      <a:pPr algn="l" rtl="0"/>
-                      <a:r>
-                        <a:rPr lang="es-ES" sz="1800" noProof="0" dirty="0">
-                          <a:solidFill>
-                            <a:schemeClr val="tx1"/>
-                          </a:solidFill>
-                        </a:rPr>
-                        <a:t>20</a:t>
-                      </a:r>
-                    </a:p>
-                  </a:txBody>
-                  <a:tcPr marL="95186" marR="95186" marT="47593" marB="47593" anchor="ctr"/>
-                </a:tc>
-                <a:tc>
-                  <a:txBody>
-                    <a:bodyPr/>
-                    <a:lstStyle>
-                      <a:defPPr>
-                        <a:defRPr lang="es-ES"/>
-                      </a:defPPr>
-                    </a:lstStyle>
-                    <a:p>
-                      <a:pPr algn="l" rtl="0"/>
-                      <a:r>
-                        <a:rPr lang="es-ES" sz="1800" noProof="0" dirty="0">
-                          <a:solidFill>
-                            <a:schemeClr val="tx1"/>
-                          </a:solidFill>
-                        </a:rPr>
-                        <a:t>200</a:t>
-                      </a:r>
-                    </a:p>
-                  </a:txBody>
-                  <a:tcPr marL="95186" marR="95186" marT="47593" marB="47593" anchor="ctr"/>
-                </a:tc>
-                <a:tc>
-                  <a:txBody>
-                    <a:bodyPr/>
-                    <a:lstStyle>
-                      <a:defPPr>
-                        <a:defRPr lang="es-ES"/>
-                      </a:defPPr>
-                    </a:lstStyle>
-                    <a:p>
-                      <a:pPr marL="0" marR="0" lvl="0" indent="0" algn="l" defTabSz="914400" rtl="0" eaLnBrk="1" fontAlgn="auto" latinLnBrk="0" hangingPunct="1">
-                        <a:lnSpc>
-                          <a:spcPct val="100000"/>
-                        </a:lnSpc>
-                        <a:spcBef>
-                          <a:spcPts val="0"/>
-                        </a:spcBef>
-                        <a:spcAft>
-                          <a:spcPts val="0"/>
-                        </a:spcAft>
-                        <a:buClrTx/>
-                        <a:buSzTx/>
-                        <a:buFontTx/>
-                        <a:buNone/>
-                        <a:tabLst/>
-                        <a:defRPr lang="es-ES"/>
-                      </a:pPr>
-                      <a:r>
-                        <a:rPr lang="es-ES" sz="1800" noProof="0" dirty="0">
-                          <a:solidFill>
-                            <a:schemeClr val="tx1"/>
-                          </a:solidFill>
-                        </a:rPr>
-                        <a:t>20 000 €</a:t>
-                      </a:r>
-                    </a:p>
-                  </a:txBody>
-                  <a:tcPr marL="95186" marR="95186" marT="47593" marB="47593" anchor="ctr"/>
-                </a:tc>
-                <a:tc>
-                  <a:txBody>
-                    <a:bodyPr/>
-                    <a:lstStyle>
-                      <a:defPPr>
-                        <a:defRPr lang="es-ES"/>
-                      </a:defPPr>
-                    </a:lstStyle>
-                    <a:p>
-                      <a:pPr marL="0" marR="0" lvl="0" indent="0" algn="l" defTabSz="914400" rtl="0" eaLnBrk="1" fontAlgn="auto" latinLnBrk="0" hangingPunct="1">
-                        <a:lnSpc>
-                          <a:spcPct val="100000"/>
-                        </a:lnSpc>
-                        <a:spcBef>
-                          <a:spcPts val="0"/>
-                        </a:spcBef>
-                        <a:spcAft>
-                          <a:spcPts val="0"/>
-                        </a:spcAft>
-                        <a:buClrTx/>
-                        <a:buSzTx/>
-                        <a:buFontTx/>
-                        <a:buNone/>
-                        <a:tabLst/>
-                        <a:defRPr lang="es-ES"/>
-                      </a:pPr>
-                      <a:r>
-                        <a:rPr lang="es-ES" sz="1800" noProof="0" dirty="0">
-                          <a:solidFill>
-                            <a:schemeClr val="tx1"/>
-                          </a:solidFill>
-                        </a:rPr>
-                        <a:t>16 000 €</a:t>
-                      </a:r>
-                    </a:p>
-                  </a:txBody>
-                  <a:tcPr marL="95186" marR="95186" marT="47593" marB="47593" anchor="ctr"/>
-                </a:tc>
-                <a:extLst>
-                  <a:ext uri="{0D108BD9-81ED-4DB2-BD59-A6C34878D82A}">
-                    <a16:rowId xmlns:a16="http://schemas.microsoft.com/office/drawing/2014/main" val="2517333721"/>
-                  </a:ext>
-                </a:extLst>
-              </a:tr>
-              <a:tr h="785097">
-                <a:tc>
-                  <a:txBody>
-                    <a:bodyPr/>
-                    <a:lstStyle>
-                      <a:defPPr>
-                        <a:defRPr lang="es-ES"/>
-                      </a:defPPr>
-                    </a:lstStyle>
-                    <a:p>
-                      <a:pPr algn="l" rtl="0"/>
-                      <a:r>
-                        <a:rPr lang="es-ES" sz="1800" noProof="0" dirty="0">
-                          <a:solidFill>
-                            <a:schemeClr val="tx1"/>
-                          </a:solidFill>
-                        </a:rPr>
-                        <a:t>20XX</a:t>
-                      </a:r>
-                    </a:p>
-                  </a:txBody>
-                  <a:tcPr anchor="ctr"/>
-                </a:tc>
-                <a:tc>
-                  <a:txBody>
-                    <a:bodyPr/>
-                    <a:lstStyle>
-                      <a:defPPr>
-                        <a:defRPr lang="es-ES"/>
-                      </a:defPPr>
-                    </a:lstStyle>
-                    <a:p>
-                      <a:pPr algn="l" rtl="0"/>
-                      <a:r>
-                        <a:rPr lang="es-ES" sz="1800" noProof="0" dirty="0">
-                          <a:solidFill>
-                            <a:schemeClr val="tx1"/>
-                          </a:solidFill>
-                        </a:rPr>
-                        <a:t>30</a:t>
-                      </a:r>
-                    </a:p>
-                  </a:txBody>
-                  <a:tcPr marL="95186" marR="95186" marT="47593" marB="47593" anchor="ctr"/>
-                </a:tc>
-                <a:tc>
-                  <a:txBody>
-                    <a:bodyPr/>
-                    <a:lstStyle>
-                      <a:defPPr>
-                        <a:defRPr lang="es-ES"/>
-                      </a:defPPr>
-                    </a:lstStyle>
-                    <a:p>
-                      <a:pPr algn="l" rtl="0"/>
-                      <a:r>
-                        <a:rPr lang="es-ES" sz="1800" noProof="0" dirty="0">
-                          <a:solidFill>
-                            <a:schemeClr val="tx1"/>
-                          </a:solidFill>
-                        </a:rPr>
-                        <a:t>300</a:t>
-                      </a:r>
-                    </a:p>
-                  </a:txBody>
-                  <a:tcPr marL="95186" marR="95186" marT="47593" marB="47593" anchor="ctr"/>
-                </a:tc>
-                <a:tc>
-                  <a:txBody>
-                    <a:bodyPr/>
-                    <a:lstStyle>
-                      <a:defPPr>
-                        <a:defRPr lang="es-ES"/>
-                      </a:defPPr>
-                    </a:lstStyle>
-                    <a:p>
-                      <a:pPr marL="0" marR="0" lvl="0" indent="0" algn="l" defTabSz="914400" rtl="0" eaLnBrk="1" fontAlgn="auto" latinLnBrk="0" hangingPunct="1">
-                        <a:lnSpc>
-                          <a:spcPct val="100000"/>
-                        </a:lnSpc>
-                        <a:spcBef>
-                          <a:spcPts val="0"/>
-                        </a:spcBef>
-                        <a:spcAft>
-                          <a:spcPts val="0"/>
-                        </a:spcAft>
-                        <a:buClrTx/>
-                        <a:buSzTx/>
-                        <a:buFontTx/>
-                        <a:buNone/>
-                        <a:tabLst/>
-                        <a:defRPr lang="es-ES"/>
-                      </a:pPr>
-                      <a:r>
-                        <a:rPr lang="es-ES" sz="1800" noProof="0" dirty="0">
-                          <a:solidFill>
-                            <a:schemeClr val="tx1"/>
-                          </a:solidFill>
-                        </a:rPr>
-                        <a:t>30 000 €</a:t>
-                      </a:r>
-                    </a:p>
-                  </a:txBody>
-                  <a:tcPr marL="95186" marR="95186" marT="47593" marB="47593" anchor="ctr"/>
-                </a:tc>
-                <a:tc>
-                  <a:txBody>
-                    <a:bodyPr/>
-                    <a:lstStyle>
-                      <a:defPPr>
-                        <a:defRPr lang="es-ES"/>
-                      </a:defPPr>
-                    </a:lstStyle>
-                    <a:p>
-                      <a:pPr marL="0" marR="0" lvl="0" indent="0" algn="l" defTabSz="914400" rtl="0" eaLnBrk="1" fontAlgn="auto" latinLnBrk="0" hangingPunct="1">
-                        <a:lnSpc>
-                          <a:spcPct val="100000"/>
-                        </a:lnSpc>
-                        <a:spcBef>
-                          <a:spcPts val="0"/>
-                        </a:spcBef>
-                        <a:spcAft>
-                          <a:spcPts val="0"/>
-                        </a:spcAft>
-                        <a:buClrTx/>
-                        <a:buSzTx/>
-                        <a:buFontTx/>
-                        <a:buNone/>
-                        <a:tabLst/>
-                        <a:defRPr lang="es-ES"/>
-                      </a:pPr>
-                      <a:r>
-                        <a:rPr lang="es-ES" sz="1800" noProof="0" dirty="0">
-                          <a:solidFill>
-                            <a:schemeClr val="tx1"/>
-                          </a:solidFill>
-                        </a:rPr>
-                        <a:t>25 000 €</a:t>
-                      </a:r>
-                    </a:p>
-                  </a:txBody>
-                  <a:tcPr marL="95186" marR="95186" marT="47593" marB="47593" anchor="ctr"/>
-                </a:tc>
-                <a:extLst>
-                  <a:ext uri="{0D108BD9-81ED-4DB2-BD59-A6C34878D82A}">
-                    <a16:rowId xmlns:a16="http://schemas.microsoft.com/office/drawing/2014/main" val="3321589815"/>
-                  </a:ext>
-                </a:extLst>
-              </a:tr>
-              <a:tr h="785097">
-                <a:tc>
-                  <a:txBody>
-                    <a:bodyPr/>
-                    <a:lstStyle>
-                      <a:defPPr>
-                        <a:defRPr lang="es-ES"/>
-                      </a:defPPr>
-                    </a:lstStyle>
-                    <a:p>
-                      <a:pPr algn="l" rtl="0"/>
-                      <a:r>
-                        <a:rPr lang="es-ES" sz="1800" noProof="0" dirty="0">
-                          <a:solidFill>
-                            <a:schemeClr val="tx1"/>
-                          </a:solidFill>
-                        </a:rPr>
-                        <a:t>20XX</a:t>
-                      </a:r>
-                    </a:p>
-                  </a:txBody>
-                  <a:tcPr anchor="ctr"/>
-                </a:tc>
-                <a:tc>
-                  <a:txBody>
-                    <a:bodyPr/>
-                    <a:lstStyle>
-                      <a:defPPr>
-                        <a:defRPr lang="es-ES"/>
-                      </a:defPPr>
-                    </a:lstStyle>
-                    <a:p>
-                      <a:pPr algn="l" rtl="0"/>
-                      <a:r>
-                        <a:rPr lang="es-ES" sz="1800" noProof="0" dirty="0">
-                          <a:solidFill>
-                            <a:schemeClr val="tx1"/>
-                          </a:solidFill>
-                        </a:rPr>
-                        <a:t>40</a:t>
-                      </a:r>
-                    </a:p>
-                  </a:txBody>
-                  <a:tcPr marL="95186" marR="95186" marT="47593" marB="47593" anchor="ctr"/>
-                </a:tc>
-                <a:tc>
-                  <a:txBody>
-                    <a:bodyPr/>
-                    <a:lstStyle>
-                      <a:defPPr>
-                        <a:defRPr lang="es-ES"/>
-                      </a:defPPr>
-                    </a:lstStyle>
-                    <a:p>
-                      <a:pPr algn="l" rtl="0"/>
-                      <a:r>
-                        <a:rPr lang="es-ES" sz="1800" noProof="0" dirty="0">
-                          <a:solidFill>
-                            <a:schemeClr val="tx1"/>
-                          </a:solidFill>
-                        </a:rPr>
-                        <a:t>400</a:t>
-                      </a:r>
-                    </a:p>
-                  </a:txBody>
-                  <a:tcPr marL="95186" marR="95186" marT="47593" marB="47593" anchor="ctr"/>
-                </a:tc>
-                <a:tc>
-                  <a:txBody>
-                    <a:bodyPr/>
-                    <a:lstStyle>
-                      <a:defPPr>
-                        <a:defRPr lang="es-ES"/>
-                      </a:defPPr>
-                    </a:lstStyle>
-                    <a:p>
-                      <a:pPr marL="0" marR="0" lvl="0" indent="0" algn="l" defTabSz="914400" rtl="0" eaLnBrk="1" fontAlgn="auto" latinLnBrk="0" hangingPunct="1">
-                        <a:lnSpc>
-                          <a:spcPct val="100000"/>
-                        </a:lnSpc>
-                        <a:spcBef>
-                          <a:spcPts val="0"/>
-                        </a:spcBef>
-                        <a:spcAft>
-                          <a:spcPts val="0"/>
-                        </a:spcAft>
-                        <a:buClrTx/>
-                        <a:buSzTx/>
-                        <a:buFontTx/>
-                        <a:buNone/>
-                        <a:tabLst/>
-                        <a:defRPr lang="es-ES"/>
-                      </a:pPr>
-                      <a:r>
-                        <a:rPr lang="es-ES" sz="1800" noProof="0" dirty="0">
-                          <a:solidFill>
-                            <a:schemeClr val="tx1"/>
-                          </a:solidFill>
-                        </a:rPr>
-                        <a:t>40 000 €</a:t>
-                      </a:r>
-                    </a:p>
-                  </a:txBody>
-                  <a:tcPr marL="95186" marR="95186" marT="47593" marB="47593" anchor="ctr"/>
-                </a:tc>
-                <a:tc>
-                  <a:txBody>
-                    <a:bodyPr/>
-                    <a:lstStyle>
-                      <a:defPPr>
-                        <a:defRPr lang="es-ES"/>
-                      </a:defPPr>
-                    </a:lstStyle>
-                    <a:p>
-                      <a:pPr marL="0" marR="0" lvl="0" indent="0" algn="l" defTabSz="914400" rtl="0" eaLnBrk="1" fontAlgn="auto" latinLnBrk="0" hangingPunct="1">
-                        <a:lnSpc>
-                          <a:spcPct val="100000"/>
-                        </a:lnSpc>
-                        <a:spcBef>
-                          <a:spcPts val="0"/>
-                        </a:spcBef>
-                        <a:spcAft>
-                          <a:spcPts val="0"/>
-                        </a:spcAft>
-                        <a:buClrTx/>
-                        <a:buSzTx/>
-                        <a:buFontTx/>
-                        <a:buNone/>
-                        <a:tabLst/>
-                        <a:defRPr lang="es-ES"/>
-                      </a:pPr>
-                      <a:r>
-                        <a:rPr lang="es-ES" sz="1800" noProof="0" dirty="0">
-                          <a:solidFill>
-                            <a:schemeClr val="tx1"/>
-                          </a:solidFill>
-                        </a:rPr>
-                        <a:t>30 000 €</a:t>
-                      </a:r>
-                    </a:p>
-                  </a:txBody>
-                  <a:tcPr marL="95186" marR="95186" marT="47593" marB="47593" anchor="ctr"/>
-                </a:tc>
-                <a:extLst>
-                  <a:ext uri="{0D108BD9-81ED-4DB2-BD59-A6C34878D82A}">
-                    <a16:rowId xmlns:a16="http://schemas.microsoft.com/office/drawing/2014/main" val="3345832805"/>
-                  </a:ext>
-                </a:extLst>
-              </a:tr>
-            </a:tbl>
-          </a:graphicData>
-        </a:graphic>
-      </p:graphicFrame>
-      <p:sp>
-        <p:nvSpPr>
-          <p:cNvPr id="5" name="Marcador de número de diapositiva 4">
-            <a:extLst>
-              <a:ext uri="{FF2B5EF4-FFF2-40B4-BE49-F238E27FC236}">
-                <a16:creationId xmlns:a16="http://schemas.microsoft.com/office/drawing/2014/main" id="{0FF6EF25-1A43-B685-800B-85D36602EF9F}"/>
-              </a:ext>
-            </a:extLst>
-          </p:cNvPr>
-          <p:cNvSpPr>
-            <a:spLocks noGrp="1"/>
-          </p:cNvSpPr>
-          <p:nvPr>
-            <p:ph type="sldNum" sz="quarter" idx="4"/>
-          </p:nvPr>
-        </p:nvSpPr>
-        <p:spPr>
-          <a:xfrm>
-            <a:off x="914400" y="6246254"/>
-            <a:ext cx="631065" cy="296214"/>
-          </a:xfrm>
-        </p:spPr>
-        <p:txBody>
-          <a:bodyPr rtlCol="0"/>
-          <a:lstStyle>
-            <a:defPPr>
-              <a:defRPr lang="es-ES"/>
-            </a:defPPr>
-          </a:lstStyle>
-          <a:p>
-            <a:pPr rtl="0"/>
-            <a:fld id="{B5CEABB6-07DC-46E8-9B57-56EC44A396E5}" type="slidenum">
-              <a:rPr lang="es-ES" smtClean="0"/>
-              <a:pPr/>
-              <a:t>10</a:t>
-            </a:fld>
-            <a:endParaRPr lang="es-ES" dirty="0"/>
-          </a:p>
-        </p:txBody>
-      </p:sp>
-    </p:spTree>
-    <p:extLst>
-      <p:ext uri="{BB962C8B-B14F-4D97-AF65-F5344CB8AC3E}">
-        <p14:creationId xmlns:p14="http://schemas.microsoft.com/office/powerpoint/2010/main" val="2149261472"/>
-      </p:ext>
-    </p:extLst>
-  </p:cSld>
-  <p:clrMapOvr>
-    <a:masterClrMapping/>
-  </p:clrMapOvr>
-</p:sld>
-</file>
-
-<file path=ppt/slides/slide11.xml><?xml version="1.0" encoding="utf-8"?>
-<p:sld xmlns:a="http://schemas.openxmlformats.org/drawingml/2006/main" xmlns:r="http://schemas.openxmlformats.org/officeDocument/2006/relationships" xmlns:p="http://schemas.openxmlformats.org/presentationml/2006/main">
-  <p:cSld>
-    <p:spTree>
-      <p:nvGrpSpPr>
-        <p:cNvPr id="1" name=""/>
-        <p:cNvGrpSpPr/>
-        <p:nvPr/>
-      </p:nvGrpSpPr>
-      <p:grpSpPr>
-        <a:xfrm>
-          <a:off x="0" y="0"/>
-          <a:ext cx="0" cy="0"/>
-          <a:chOff x="0" y="0"/>
-          <a:chExt cx="0" cy="0"/>
-        </a:xfrm>
-      </p:grpSpPr>
-      <p:sp>
-        <p:nvSpPr>
-          <p:cNvPr id="2" name="Título 1">
-            <a:extLst>
-              <a:ext uri="{FF2B5EF4-FFF2-40B4-BE49-F238E27FC236}">
-                <a16:creationId xmlns:a16="http://schemas.microsoft.com/office/drawing/2014/main" id="{B4386DBB-D0DC-05D4-788C-E10EEF6B4A91}"/>
-              </a:ext>
-            </a:extLst>
-          </p:cNvPr>
-          <p:cNvSpPr>
-            <a:spLocks noGrp="1"/>
-          </p:cNvSpPr>
-          <p:nvPr>
-            <p:ph type="title"/>
-          </p:nvPr>
-        </p:nvSpPr>
-        <p:spPr>
-          <a:xfrm>
-            <a:off x="891990" y="434225"/>
-            <a:ext cx="9524998" cy="1499627"/>
-          </a:xfrm>
-        </p:spPr>
-        <p:txBody>
-          <a:bodyPr rtlCol="0"/>
-          <a:lstStyle>
-            <a:defPPr>
-              <a:defRPr lang="es-ES"/>
-            </a:defPPr>
-          </a:lstStyle>
-          <a:p>
-            <a:pPr rtl="0"/>
-            <a:r>
-              <a:rPr lang="es-ES" dirty="0"/>
-              <a:t>Solución</a:t>
-            </a:r>
-          </a:p>
-        </p:txBody>
-      </p:sp>
-      <p:sp>
-        <p:nvSpPr>
-          <p:cNvPr id="3" name="Marcador de contenido 2">
-            <a:extLst>
-              <a:ext uri="{FF2B5EF4-FFF2-40B4-BE49-F238E27FC236}">
-                <a16:creationId xmlns:a16="http://schemas.microsoft.com/office/drawing/2014/main" id="{F0E41F64-E350-1F21-8A57-E740F48F3132}"/>
-              </a:ext>
-            </a:extLst>
-          </p:cNvPr>
-          <p:cNvSpPr>
-            <a:spLocks noGrp="1"/>
-          </p:cNvSpPr>
-          <p:nvPr>
-            <p:ph sz="quarter" idx="10"/>
-          </p:nvPr>
-        </p:nvSpPr>
-        <p:spPr>
-          <a:xfrm>
-            <a:off x="914399" y="2022250"/>
-            <a:ext cx="5579534" cy="3914910"/>
-          </a:xfrm>
-        </p:spPr>
-        <p:txBody>
-          <a:bodyPr rtlCol="0"/>
-          <a:lstStyle>
-            <a:defPPr>
-              <a:defRPr lang="es-ES"/>
-            </a:defPPr>
-          </a:lstStyle>
-          <a:p>
-            <a:pPr rtl="0"/>
-            <a:r>
-              <a:rPr lang="es-ES" dirty="0"/>
-              <a:t>Nuestro producto hace la vida más fácil a los consumidores y ningún otro producto del mercado ofrece las mismas características.</a:t>
-            </a:r>
-          </a:p>
-          <a:p>
-            <a:pPr lvl="1" rtl="0"/>
-            <a:r>
-              <a:rPr lang="es-ES" dirty="0"/>
-              <a:t>Generación Z (de 18 a 25 años)</a:t>
-            </a:r>
-          </a:p>
-          <a:p>
-            <a:pPr lvl="1" rtl="0"/>
-            <a:r>
-              <a:rPr lang="es-ES" dirty="0"/>
-              <a:t>Reducción de los gastos de los productos de repuesto </a:t>
-            </a:r>
-          </a:p>
-          <a:p>
-            <a:pPr lvl="1" rtl="0"/>
-            <a:r>
-              <a:rPr lang="es-ES" dirty="0"/>
-              <a:t>Diseño sencillo que proporciona a los clientes la información específica que necesitan</a:t>
-            </a:r>
-          </a:p>
-          <a:p>
-            <a:pPr rtl="0"/>
-            <a:endParaRPr lang="es-ES" dirty="0"/>
-          </a:p>
-          <a:p>
-            <a:pPr rtl="0"/>
-            <a:endParaRPr lang="es-ES" dirty="0"/>
-          </a:p>
-        </p:txBody>
-      </p:sp>
-      <p:sp>
-        <p:nvSpPr>
-          <p:cNvPr id="4" name="Marcador de contenido 3">
-            <a:extLst>
-              <a:ext uri="{FF2B5EF4-FFF2-40B4-BE49-F238E27FC236}">
-                <a16:creationId xmlns:a16="http://schemas.microsoft.com/office/drawing/2014/main" id="{3735AC68-D86C-E73B-5402-F22C9F54DC0C}"/>
-              </a:ext>
-            </a:extLst>
-          </p:cNvPr>
-          <p:cNvSpPr>
-            <a:spLocks noGrp="1"/>
-          </p:cNvSpPr>
-          <p:nvPr>
-            <p:ph sz="quarter" idx="11"/>
-          </p:nvPr>
-        </p:nvSpPr>
-        <p:spPr>
-          <a:xfrm>
-            <a:off x="7967475" y="2018119"/>
-            <a:ext cx="2449514" cy="3931919"/>
-          </a:xfrm>
-        </p:spPr>
-        <p:txBody>
-          <a:bodyPr rtlCol="0"/>
-          <a:lstStyle>
-            <a:defPPr>
-              <a:defRPr lang="es-ES"/>
-            </a:defPPr>
-          </a:lstStyle>
-          <a:p>
-            <a:pPr rtl="0"/>
-            <a:r>
-              <a:rPr lang="es-ES" dirty="0"/>
-              <a:t>Cerrar la brecha</a:t>
-            </a:r>
-          </a:p>
-          <a:p>
-            <a:pPr rtl="0"/>
-            <a:r>
-              <a:rPr lang="es-ES" dirty="0"/>
-              <a:t>Público objetivo </a:t>
-            </a:r>
-          </a:p>
-          <a:p>
-            <a:pPr rtl="0"/>
-            <a:r>
-              <a:rPr lang="es-ES" dirty="0"/>
-              <a:t>Ahorro de costos</a:t>
-            </a:r>
-          </a:p>
-          <a:p>
-            <a:pPr rtl="0"/>
-            <a:r>
-              <a:rPr lang="es-ES" dirty="0"/>
-              <a:t>Fácil de usar</a:t>
-            </a:r>
-          </a:p>
-        </p:txBody>
-      </p:sp>
-      <p:sp>
-        <p:nvSpPr>
-          <p:cNvPr id="5" name="Marcador de número de diapositiva 4">
-            <a:extLst>
-              <a:ext uri="{FF2B5EF4-FFF2-40B4-BE49-F238E27FC236}">
-                <a16:creationId xmlns:a16="http://schemas.microsoft.com/office/drawing/2014/main" id="{C99D2502-F7A7-039F-01A0-59462ADFF659}"/>
-              </a:ext>
-            </a:extLst>
-          </p:cNvPr>
-          <p:cNvSpPr>
-            <a:spLocks noGrp="1"/>
-          </p:cNvSpPr>
-          <p:nvPr>
-            <p:ph type="sldNum" sz="quarter" idx="4"/>
-          </p:nvPr>
-        </p:nvSpPr>
-        <p:spPr>
-          <a:xfrm>
-            <a:off x="914400" y="6246254"/>
-            <a:ext cx="631065" cy="296214"/>
-          </a:xfrm>
-        </p:spPr>
-        <p:txBody>
-          <a:bodyPr rtlCol="0"/>
-          <a:lstStyle>
-            <a:defPPr>
-              <a:defRPr lang="es-ES"/>
-            </a:defPPr>
-          </a:lstStyle>
-          <a:p>
-            <a:pPr rtl="0"/>
-            <a:fld id="{B5CEABB6-07DC-46E8-9B57-56EC44A396E5}" type="slidenum">
-              <a:rPr lang="es-ES" smtClean="0"/>
-              <a:pPr/>
-              <a:t>11</a:t>
-            </a:fld>
-            <a:endParaRPr lang="es-ES" dirty="0"/>
-          </a:p>
-        </p:txBody>
-      </p:sp>
-    </p:spTree>
-    <p:extLst>
-      <p:ext uri="{BB962C8B-B14F-4D97-AF65-F5344CB8AC3E}">
-        <p14:creationId xmlns:p14="http://schemas.microsoft.com/office/powerpoint/2010/main" val="2398406067"/>
-      </p:ext>
-    </p:extLst>
-  </p:cSld>
-  <p:clrMapOvr>
-    <a:masterClrMapping/>
-  </p:clrMapOvr>
-</p:sld>
-</file>
-
-<file path=ppt/slides/slide12.xml><?xml version="1.0" encoding="utf-8"?>
-<p:sld xmlns:a="http://schemas.openxmlformats.org/drawingml/2006/main" xmlns:r="http://schemas.openxmlformats.org/officeDocument/2006/relationships" xmlns:p="http://schemas.openxmlformats.org/presentationml/2006/main">
-  <p:cSld>
-    <p:spTree>
-      <p:nvGrpSpPr>
-        <p:cNvPr id="1" name=""/>
-        <p:cNvGrpSpPr/>
-        <p:nvPr/>
-      </p:nvGrpSpPr>
-      <p:grpSpPr>
-        <a:xfrm>
-          <a:off x="0" y="0"/>
-          <a:ext cx="0" cy="0"/>
-          <a:chOff x="0" y="0"/>
-          <a:chExt cx="0" cy="0"/>
-        </a:xfrm>
-      </p:grpSpPr>
-      <p:sp>
-        <p:nvSpPr>
-          <p:cNvPr id="2" name="Título 1">
-            <a:extLst>
-              <a:ext uri="{FF2B5EF4-FFF2-40B4-BE49-F238E27FC236}">
-                <a16:creationId xmlns:a16="http://schemas.microsoft.com/office/drawing/2014/main" id="{958ECED9-3D31-C7EF-C4E5-0D218F611807}"/>
-              </a:ext>
-            </a:extLst>
-          </p:cNvPr>
-          <p:cNvSpPr>
-            <a:spLocks noGrp="1"/>
-          </p:cNvSpPr>
-          <p:nvPr>
-            <p:ph type="title"/>
-          </p:nvPr>
-        </p:nvSpPr>
-        <p:spPr>
-          <a:xfrm>
-            <a:off x="923545" y="584477"/>
-            <a:ext cx="10354052" cy="1209765"/>
-          </a:xfrm>
-        </p:spPr>
-        <p:txBody>
-          <a:bodyPr rtlCol="0"/>
-          <a:lstStyle>
-            <a:defPPr>
-              <a:defRPr lang="es-ES"/>
-            </a:defPPr>
-          </a:lstStyle>
-          <a:p>
-            <a:pPr rtl="0"/>
-            <a:r>
-              <a:rPr lang="es-ES"/>
-              <a:t>Finanzas</a:t>
-            </a:r>
-          </a:p>
-        </p:txBody>
-      </p:sp>
-      <p:graphicFrame>
-        <p:nvGraphicFramePr>
-          <p:cNvPr id="5" name="Tabla 9">
-            <a:extLst>
-              <a:ext uri="{FF2B5EF4-FFF2-40B4-BE49-F238E27FC236}">
-                <a16:creationId xmlns:a16="http://schemas.microsoft.com/office/drawing/2014/main" id="{B782709C-FC0C-E355-9C94-A8EE025BAC7B}"/>
-              </a:ext>
-            </a:extLst>
-          </p:cNvPr>
-          <p:cNvGraphicFramePr>
-            <a:graphicFrameLocks noGrp="1"/>
-          </p:cNvGraphicFramePr>
-          <p:nvPr>
-            <p:ph type="tbl" sz="quarter" idx="10"/>
-            <p:extLst>
-              <p:ext uri="{D42A27DB-BD31-4B8C-83A1-F6EECF244321}">
-                <p14:modId xmlns:p14="http://schemas.microsoft.com/office/powerpoint/2010/main" val="1133369783"/>
-              </p:ext>
-            </p:extLst>
-          </p:nvPr>
-        </p:nvGraphicFramePr>
-        <p:xfrm>
-          <a:off x="923925" y="2009775"/>
-          <a:ext cx="10363201" cy="3934070"/>
-        </p:xfrm>
-        <a:graphic>
-          <a:graphicData uri="http://schemas.openxmlformats.org/drawingml/2006/table">
-            <a:tbl>
-              <a:tblPr firstRow="1" bandRow="1">
-                <a:tableStyleId>{5C22544A-7EE6-4342-B048-85BDC9FD1C3A}</a:tableStyleId>
-              </a:tblPr>
-              <a:tblGrid>
-                <a:gridCol w="4324555">
-                  <a:extLst>
-                    <a:ext uri="{9D8B030D-6E8A-4147-A177-3AD203B41FA5}">
-                      <a16:colId xmlns:a16="http://schemas.microsoft.com/office/drawing/2014/main" val="3446012419"/>
-                    </a:ext>
-                  </a:extLst>
-                </a:gridCol>
-                <a:gridCol w="2012882">
-                  <a:extLst>
-                    <a:ext uri="{9D8B030D-6E8A-4147-A177-3AD203B41FA5}">
-                      <a16:colId xmlns:a16="http://schemas.microsoft.com/office/drawing/2014/main" val="4052646397"/>
-                    </a:ext>
-                  </a:extLst>
-                </a:gridCol>
-                <a:gridCol w="2012882">
-                  <a:extLst>
-                    <a:ext uri="{9D8B030D-6E8A-4147-A177-3AD203B41FA5}">
-                      <a16:colId xmlns:a16="http://schemas.microsoft.com/office/drawing/2014/main" val="1935352797"/>
-                    </a:ext>
-                  </a:extLst>
-                </a:gridCol>
-                <a:gridCol w="2012882">
-                  <a:extLst>
-                    <a:ext uri="{9D8B030D-6E8A-4147-A177-3AD203B41FA5}">
-                      <a16:colId xmlns:a16="http://schemas.microsoft.com/office/drawing/2014/main" val="1218263486"/>
-                    </a:ext>
-                  </a:extLst>
-                </a:gridCol>
-              </a:tblGrid>
-              <a:tr h="562010">
-                <a:tc>
-                  <a:txBody>
-                    <a:bodyPr/>
-                    <a:lstStyle>
-                      <a:defPPr>
-                        <a:defRPr lang="es-ES"/>
-                      </a:defPPr>
-                    </a:lstStyle>
-                    <a:p>
-                      <a:pPr algn="l" rtl="0" fontAlgn="b"/>
-                      <a:endParaRPr lang="es-ES" sz="1800" b="0" i="0" u="none" strike="noStrike" noProof="0" dirty="0">
-                        <a:solidFill>
-                          <a:schemeClr val="tx1"/>
-                        </a:solidFill>
-                        <a:effectLst/>
-                        <a:latin typeface="+mn-lt"/>
-                      </a:endParaRPr>
-                    </a:p>
-                  </a:txBody>
-                  <a:tcPr marL="288000" anchor="ctr"/>
-                </a:tc>
-                <a:tc>
-                  <a:txBody>
-                    <a:bodyPr/>
-                    <a:lstStyle>
-                      <a:defPPr>
-                        <a:defRPr lang="es-ES"/>
-                      </a:defPPr>
-                    </a:lstStyle>
-                    <a:p>
-                      <a:pPr algn="l" rtl="0" fontAlgn="b"/>
-                      <a:r>
-                        <a:rPr lang="es-ES" sz="1800" b="1" u="none" strike="noStrike" noProof="0" dirty="0">
-                          <a:solidFill>
-                            <a:schemeClr val="tx1"/>
-                          </a:solidFill>
-                          <a:effectLst/>
-                        </a:rPr>
-                        <a:t>Año 1</a:t>
-                      </a:r>
-                      <a:endParaRPr lang="es-ES" sz="1800" b="1" i="0" u="none" strike="noStrike" noProof="0" dirty="0">
-                        <a:solidFill>
-                          <a:schemeClr val="tx1"/>
-                        </a:solidFill>
-                        <a:effectLst/>
-                        <a:latin typeface="+mn-lt"/>
-                      </a:endParaRPr>
-                    </a:p>
-                  </a:txBody>
-                  <a:tcPr anchor="ctr"/>
-                </a:tc>
-                <a:tc>
-                  <a:txBody>
-                    <a:bodyPr/>
-                    <a:lstStyle>
-                      <a:defPPr>
-                        <a:defRPr lang="es-ES"/>
-                      </a:defPPr>
-                    </a:lstStyle>
-                    <a:p>
-                      <a:pPr algn="l" rtl="0" fontAlgn="b"/>
-                      <a:r>
-                        <a:rPr lang="es-ES" sz="1800" b="1" u="none" strike="noStrike" noProof="0" dirty="0">
-                          <a:solidFill>
-                            <a:schemeClr val="tx1"/>
-                          </a:solidFill>
-                          <a:effectLst/>
-                        </a:rPr>
-                        <a:t>Año 2</a:t>
-                      </a:r>
-                      <a:endParaRPr lang="es-ES" sz="1800" b="1" i="0" u="none" strike="noStrike" noProof="0" dirty="0">
-                        <a:solidFill>
-                          <a:schemeClr val="tx1"/>
-                        </a:solidFill>
-                        <a:effectLst/>
-                        <a:latin typeface="+mn-lt"/>
-                      </a:endParaRPr>
-                    </a:p>
-                  </a:txBody>
-                  <a:tcPr anchor="ctr"/>
-                </a:tc>
-                <a:tc>
-                  <a:txBody>
-                    <a:bodyPr/>
-                    <a:lstStyle>
-                      <a:defPPr>
-                        <a:defRPr lang="es-ES"/>
-                      </a:defPPr>
-                    </a:lstStyle>
-                    <a:p>
-                      <a:pPr algn="l" rtl="0" fontAlgn="b"/>
-                      <a:r>
-                        <a:rPr lang="es-ES" sz="1800" b="1" u="none" strike="noStrike" noProof="0" dirty="0">
-                          <a:solidFill>
-                            <a:schemeClr val="tx1"/>
-                          </a:solidFill>
-                          <a:effectLst/>
-                        </a:rPr>
-                        <a:t>Año 3</a:t>
-                      </a:r>
-                      <a:endParaRPr lang="es-ES" sz="1800" b="1" i="0" u="none" strike="noStrike" noProof="0" dirty="0">
-                        <a:solidFill>
-                          <a:schemeClr val="tx1"/>
-                        </a:solidFill>
-                        <a:effectLst/>
-                        <a:latin typeface="+mn-lt"/>
-                      </a:endParaRPr>
-                    </a:p>
-                  </a:txBody>
-                  <a:tcPr anchor="ctr"/>
-                </a:tc>
-                <a:extLst>
-                  <a:ext uri="{0D108BD9-81ED-4DB2-BD59-A6C34878D82A}">
-                    <a16:rowId xmlns:a16="http://schemas.microsoft.com/office/drawing/2014/main" val="4140773105"/>
-                  </a:ext>
-                </a:extLst>
-              </a:tr>
-              <a:tr h="562010">
-                <a:tc>
-                  <a:txBody>
-                    <a:bodyPr/>
-                    <a:lstStyle>
-                      <a:defPPr>
-                        <a:defRPr lang="es-ES"/>
-                      </a:defPPr>
-                    </a:lstStyle>
-                    <a:p>
-                      <a:pPr algn="l" rtl="0" fontAlgn="b"/>
-                      <a:r>
-                        <a:rPr lang="es-ES" sz="1800" b="0" u="none" strike="noStrike" noProof="0" dirty="0">
-                          <a:solidFill>
-                            <a:schemeClr val="tx1"/>
-                          </a:solidFill>
-                          <a:effectLst/>
-                        </a:rPr>
-                        <a:t>Ingresos</a:t>
-                      </a:r>
-                      <a:endParaRPr lang="es-ES" sz="1800" b="0" i="0" u="none" strike="noStrike" noProof="0" dirty="0">
-                        <a:solidFill>
-                          <a:schemeClr val="tx1"/>
-                        </a:solidFill>
-                        <a:effectLst/>
-                        <a:latin typeface="+mn-lt"/>
-                      </a:endParaRPr>
-                    </a:p>
-                  </a:txBody>
-                  <a:tcPr marL="288000" anchor="ctr"/>
-                </a:tc>
-                <a:tc>
-                  <a:txBody>
-                    <a:bodyPr/>
-                    <a:lstStyle>
-                      <a:defPPr>
-                        <a:defRPr lang="es-ES"/>
-                      </a:defPPr>
-                    </a:lstStyle>
-                    <a:p>
-                      <a:pPr algn="l" rtl="0" fontAlgn="b"/>
-                      <a:endParaRPr lang="es-ES" sz="1800" b="0" i="0" u="none" strike="noStrike" noProof="0" dirty="0">
-                        <a:solidFill>
-                          <a:schemeClr val="tx1"/>
-                        </a:solidFill>
-                        <a:effectLst/>
-                        <a:latin typeface="+mn-lt"/>
-                      </a:endParaRPr>
-                    </a:p>
-                  </a:txBody>
-                  <a:tcPr anchor="ctr"/>
-                </a:tc>
-                <a:tc>
-                  <a:txBody>
-                    <a:bodyPr/>
-                    <a:lstStyle>
-                      <a:defPPr>
-                        <a:defRPr lang="es-ES"/>
-                      </a:defPPr>
-                    </a:lstStyle>
-                    <a:p>
-                      <a:pPr algn="l" rtl="0" fontAlgn="b"/>
-                      <a:endParaRPr lang="es-ES" sz="1800" b="0" i="0" u="none" strike="noStrike" noProof="0" dirty="0">
-                        <a:solidFill>
-                          <a:schemeClr val="tx1"/>
-                        </a:solidFill>
-                        <a:effectLst/>
-                        <a:latin typeface="+mn-lt"/>
-                      </a:endParaRPr>
-                    </a:p>
-                  </a:txBody>
-                  <a:tcPr anchor="ctr"/>
-                </a:tc>
-                <a:tc>
-                  <a:txBody>
-                    <a:bodyPr/>
-                    <a:lstStyle>
-                      <a:defPPr>
-                        <a:defRPr lang="es-ES"/>
-                      </a:defPPr>
-                    </a:lstStyle>
-                    <a:p>
-                      <a:pPr algn="l" rtl="0" fontAlgn="b"/>
-                      <a:endParaRPr lang="es-ES" sz="1800" b="0" i="0" u="none" strike="noStrike" noProof="0" dirty="0">
-                        <a:solidFill>
-                          <a:schemeClr val="tx1"/>
-                        </a:solidFill>
-                        <a:effectLst/>
-                        <a:latin typeface="+mn-lt"/>
-                      </a:endParaRPr>
-                    </a:p>
-                  </a:txBody>
-                  <a:tcPr anchor="ctr"/>
-                </a:tc>
-                <a:extLst>
-                  <a:ext uri="{0D108BD9-81ED-4DB2-BD59-A6C34878D82A}">
-                    <a16:rowId xmlns:a16="http://schemas.microsoft.com/office/drawing/2014/main" val="4142911372"/>
-                  </a:ext>
-                </a:extLst>
-              </a:tr>
-              <a:tr h="562010">
-                <a:tc>
-                  <a:txBody>
-                    <a:bodyPr/>
-                    <a:lstStyle>
-                      <a:defPPr>
-                        <a:defRPr lang="es-ES"/>
-                      </a:defPPr>
-                    </a:lstStyle>
-                    <a:p>
-                      <a:pPr lvl="1" algn="l" rtl="0" fontAlgn="b"/>
-                      <a:r>
-                        <a:rPr lang="es-ES" sz="1800" b="0" u="none" strike="noStrike" noProof="0" dirty="0">
-                          <a:solidFill>
-                            <a:schemeClr val="tx1"/>
-                          </a:solidFill>
-                          <a:effectLst/>
-                        </a:rPr>
-                        <a:t>Usuarios</a:t>
-                      </a:r>
-                      <a:endParaRPr lang="es-ES" sz="1800" b="0" i="0" u="none" strike="noStrike" noProof="0" dirty="0">
-                        <a:solidFill>
-                          <a:schemeClr val="tx1"/>
-                        </a:solidFill>
-                        <a:effectLst/>
-                        <a:latin typeface="+mn-lt"/>
-                      </a:endParaRPr>
-                    </a:p>
-                  </a:txBody>
-                  <a:tcPr marL="288000" anchor="ctr"/>
-                </a:tc>
-                <a:tc>
-                  <a:txBody>
-                    <a:bodyPr/>
-                    <a:lstStyle>
-                      <a:defPPr>
-                        <a:defRPr lang="es-ES"/>
-                      </a:defPPr>
-                    </a:lstStyle>
-                    <a:p>
-                      <a:pPr algn="l" rtl="0" fontAlgn="b"/>
-                      <a:r>
-                        <a:rPr lang="es-ES" sz="1800" b="0" u="none" strike="noStrike" noProof="0" dirty="0">
-                          <a:solidFill>
-                            <a:schemeClr val="tx1"/>
-                          </a:solidFill>
-                          <a:effectLst/>
-                        </a:rPr>
-                        <a:t>50 000</a:t>
-                      </a:r>
-                      <a:endParaRPr lang="es-ES" sz="1800" b="0" i="0" u="none" strike="noStrike" noProof="0" dirty="0">
-                        <a:solidFill>
-                          <a:schemeClr val="tx1"/>
-                        </a:solidFill>
-                        <a:effectLst/>
-                        <a:latin typeface="+mn-lt"/>
-                      </a:endParaRPr>
-                    </a:p>
-                  </a:txBody>
-                  <a:tcPr anchor="ctr"/>
-                </a:tc>
-                <a:tc>
-                  <a:txBody>
-                    <a:bodyPr/>
-                    <a:lstStyle>
-                      <a:defPPr>
-                        <a:defRPr lang="es-ES"/>
-                      </a:defPPr>
-                    </a:lstStyle>
-                    <a:p>
-                      <a:pPr algn="l" rtl="0" fontAlgn="b"/>
-                      <a:r>
-                        <a:rPr lang="es-ES" sz="1800" b="0" u="none" strike="noStrike" noProof="0" dirty="0">
-                          <a:solidFill>
-                            <a:schemeClr val="tx1"/>
-                          </a:solidFill>
-                          <a:effectLst/>
-                        </a:rPr>
-                        <a:t>400 000</a:t>
-                      </a:r>
-                      <a:endParaRPr lang="es-ES" sz="1800" b="0" i="0" u="none" strike="noStrike" noProof="0" dirty="0">
-                        <a:solidFill>
-                          <a:schemeClr val="tx1"/>
-                        </a:solidFill>
-                        <a:effectLst/>
-                        <a:latin typeface="+mn-lt"/>
-                      </a:endParaRPr>
-                    </a:p>
-                  </a:txBody>
-                  <a:tcPr anchor="ctr"/>
-                </a:tc>
-                <a:tc>
-                  <a:txBody>
-                    <a:bodyPr/>
-                    <a:lstStyle>
-                      <a:defPPr>
-                        <a:defRPr lang="es-ES"/>
-                      </a:defPPr>
-                    </a:lstStyle>
-                    <a:p>
-                      <a:pPr algn="l" rtl="0" fontAlgn="b"/>
-                      <a:r>
-                        <a:rPr lang="es-ES" sz="1800" b="0" u="none" strike="noStrike" noProof="0" dirty="0">
-                          <a:solidFill>
-                            <a:schemeClr val="tx1"/>
-                          </a:solidFill>
-                          <a:effectLst/>
-                        </a:rPr>
-                        <a:t>1 600 000</a:t>
-                      </a:r>
-                      <a:endParaRPr lang="es-ES" sz="1800" b="0" i="0" u="none" strike="noStrike" noProof="0" dirty="0">
-                        <a:solidFill>
-                          <a:schemeClr val="tx1"/>
-                        </a:solidFill>
-                        <a:effectLst/>
-                        <a:latin typeface="+mn-lt"/>
-                      </a:endParaRPr>
-                    </a:p>
-                  </a:txBody>
-                  <a:tcPr anchor="ctr"/>
-                </a:tc>
-                <a:extLst>
-                  <a:ext uri="{0D108BD9-81ED-4DB2-BD59-A6C34878D82A}">
-                    <a16:rowId xmlns:a16="http://schemas.microsoft.com/office/drawing/2014/main" val="1543393929"/>
-                  </a:ext>
-                </a:extLst>
-              </a:tr>
-              <a:tr h="562010">
-                <a:tc>
-                  <a:txBody>
-                    <a:bodyPr/>
-                    <a:lstStyle>
-                      <a:defPPr>
-                        <a:defRPr lang="es-ES"/>
-                      </a:defPPr>
-                    </a:lstStyle>
-                    <a:p>
-                      <a:pPr lvl="1" algn="l" rtl="0" fontAlgn="b"/>
-                      <a:r>
-                        <a:rPr lang="es-ES" sz="1800" b="0" u="none" strike="noStrike" noProof="0" dirty="0">
-                          <a:solidFill>
-                            <a:schemeClr val="tx1"/>
-                          </a:solidFill>
-                          <a:effectLst/>
-                        </a:rPr>
-                        <a:t>Ventas</a:t>
-                      </a:r>
-                      <a:endParaRPr lang="es-ES" sz="1800" b="0" i="0" u="none" strike="noStrike" noProof="0" dirty="0">
-                        <a:solidFill>
-                          <a:schemeClr val="tx1"/>
-                        </a:solidFill>
-                        <a:effectLst/>
-                        <a:latin typeface="+mn-lt"/>
-                      </a:endParaRPr>
-                    </a:p>
-                  </a:txBody>
-                  <a:tcPr marL="288000" anchor="ctr"/>
-                </a:tc>
-                <a:tc>
-                  <a:txBody>
-                    <a:bodyPr/>
-                    <a:lstStyle>
-                      <a:defPPr>
-                        <a:defRPr lang="es-ES"/>
-                      </a:defPPr>
-                    </a:lstStyle>
-                    <a:p>
-                      <a:pPr algn="l" rtl="0" fontAlgn="b"/>
-                      <a:r>
-                        <a:rPr lang="es-ES" sz="1800" b="0" u="none" strike="noStrike" noProof="0" dirty="0">
-                          <a:solidFill>
-                            <a:schemeClr val="tx1"/>
-                          </a:solidFill>
-                          <a:effectLst/>
-                        </a:rPr>
-                        <a:t>500 000</a:t>
-                      </a:r>
-                      <a:endParaRPr lang="es-ES" sz="1800" b="0" i="0" u="none" strike="noStrike" noProof="0" dirty="0">
-                        <a:solidFill>
-                          <a:schemeClr val="tx1"/>
-                        </a:solidFill>
-                        <a:effectLst/>
-                        <a:latin typeface="+mn-lt"/>
-                      </a:endParaRPr>
-                    </a:p>
-                  </a:txBody>
-                  <a:tcPr anchor="ctr"/>
-                </a:tc>
-                <a:tc>
-                  <a:txBody>
-                    <a:bodyPr/>
-                    <a:lstStyle>
-                      <a:defPPr>
-                        <a:defRPr lang="es-ES"/>
-                      </a:defPPr>
-                    </a:lstStyle>
-                    <a:p>
-                      <a:pPr algn="l" rtl="0" fontAlgn="b"/>
-                      <a:r>
-                        <a:rPr lang="es-ES" sz="1800" b="0" u="none" strike="noStrike" noProof="0" dirty="0">
-                          <a:solidFill>
-                            <a:schemeClr val="tx1"/>
-                          </a:solidFill>
-                          <a:effectLst/>
-                        </a:rPr>
-                        <a:t>4 000 000</a:t>
-                      </a:r>
-                      <a:endParaRPr lang="es-ES" sz="1800" b="0" i="0" u="none" strike="noStrike" noProof="0" dirty="0">
-                        <a:solidFill>
-                          <a:schemeClr val="tx1"/>
-                        </a:solidFill>
-                        <a:effectLst/>
-                        <a:latin typeface="+mn-lt"/>
-                      </a:endParaRPr>
-                    </a:p>
-                  </a:txBody>
-                  <a:tcPr anchor="ctr"/>
-                </a:tc>
-                <a:tc>
-                  <a:txBody>
-                    <a:bodyPr/>
-                    <a:lstStyle>
-                      <a:defPPr>
-                        <a:defRPr lang="es-ES"/>
-                      </a:defPPr>
-                    </a:lstStyle>
-                    <a:p>
-                      <a:pPr algn="l" rtl="0" fontAlgn="b"/>
-                      <a:r>
-                        <a:rPr lang="es-ES" sz="1800" b="0" u="none" strike="noStrike" noProof="0" dirty="0">
-                          <a:solidFill>
-                            <a:schemeClr val="tx1"/>
-                          </a:solidFill>
-                          <a:effectLst/>
-                        </a:rPr>
-                        <a:t>16 000 000</a:t>
-                      </a:r>
-                      <a:endParaRPr lang="es-ES" sz="1800" b="0" i="0" u="none" strike="noStrike" noProof="0" dirty="0">
-                        <a:solidFill>
-                          <a:schemeClr val="tx1"/>
-                        </a:solidFill>
-                        <a:effectLst/>
-                        <a:latin typeface="+mn-lt"/>
-                      </a:endParaRPr>
-                    </a:p>
-                  </a:txBody>
-                  <a:tcPr anchor="ctr"/>
-                </a:tc>
-                <a:extLst>
-                  <a:ext uri="{0D108BD9-81ED-4DB2-BD59-A6C34878D82A}">
-                    <a16:rowId xmlns:a16="http://schemas.microsoft.com/office/drawing/2014/main" val="255711469"/>
-                  </a:ext>
-                </a:extLst>
-              </a:tr>
-              <a:tr h="562010">
-                <a:tc>
-                  <a:txBody>
-                    <a:bodyPr/>
-                    <a:lstStyle>
-                      <a:defPPr>
-                        <a:defRPr lang="es-ES"/>
-                      </a:defPPr>
-                    </a:lstStyle>
-                    <a:p>
-                      <a:pPr lvl="1" algn="l" rtl="0" fontAlgn="b"/>
-                      <a:r>
-                        <a:rPr lang="es-ES" sz="1800" b="0" u="none" strike="noStrike" noProof="0" dirty="0">
-                          <a:solidFill>
-                            <a:schemeClr val="tx1"/>
-                          </a:solidFill>
-                          <a:effectLst/>
-                        </a:rPr>
-                        <a:t>Precio medio por venta</a:t>
-                      </a:r>
-                      <a:endParaRPr lang="es-ES" sz="1800" b="0" i="0" u="none" strike="noStrike" noProof="0" dirty="0">
-                        <a:solidFill>
-                          <a:schemeClr val="tx1"/>
-                        </a:solidFill>
-                        <a:effectLst/>
-                        <a:latin typeface="+mn-lt"/>
-                      </a:endParaRPr>
-                    </a:p>
-                  </a:txBody>
-                  <a:tcPr marL="288000" anchor="ctr"/>
-                </a:tc>
-                <a:tc>
-                  <a:txBody>
-                    <a:bodyPr/>
-                    <a:lstStyle>
-                      <a:defPPr>
-                        <a:defRPr lang="es-ES"/>
-                      </a:defPPr>
-                    </a:lstStyle>
-                    <a:p>
-                      <a:pPr algn="l" rtl="0" fontAlgn="b"/>
-                      <a:r>
-                        <a:rPr lang="es-ES" sz="1800" b="0" u="none" strike="noStrike" noProof="0" dirty="0">
-                          <a:solidFill>
-                            <a:schemeClr val="tx1"/>
-                          </a:solidFill>
-                          <a:effectLst/>
-                        </a:rPr>
-                        <a:t>75</a:t>
-                      </a:r>
-                      <a:endParaRPr lang="es-ES" sz="1800" b="0" i="0" u="none" strike="noStrike" noProof="0" dirty="0">
-                        <a:solidFill>
-                          <a:schemeClr val="tx1"/>
-                        </a:solidFill>
-                        <a:effectLst/>
-                        <a:latin typeface="+mn-lt"/>
-                      </a:endParaRPr>
-                    </a:p>
-                  </a:txBody>
-                  <a:tcPr anchor="ctr"/>
-                </a:tc>
-                <a:tc>
-                  <a:txBody>
-                    <a:bodyPr/>
-                    <a:lstStyle>
-                      <a:defPPr>
-                        <a:defRPr lang="es-ES"/>
-                      </a:defPPr>
-                    </a:lstStyle>
-                    <a:p>
-                      <a:pPr algn="l" rtl="0" fontAlgn="b"/>
-                      <a:r>
-                        <a:rPr lang="es-ES" sz="1800" b="0" u="none" strike="noStrike" noProof="0" dirty="0">
-                          <a:solidFill>
-                            <a:schemeClr val="tx1"/>
-                          </a:solidFill>
-                          <a:effectLst/>
-                        </a:rPr>
-                        <a:t>80</a:t>
-                      </a:r>
-                      <a:endParaRPr lang="es-ES" sz="1800" b="0" i="0" u="none" strike="noStrike" noProof="0" dirty="0">
-                        <a:solidFill>
-                          <a:schemeClr val="tx1"/>
-                        </a:solidFill>
-                        <a:effectLst/>
-                        <a:latin typeface="+mn-lt"/>
-                      </a:endParaRPr>
-                    </a:p>
-                  </a:txBody>
-                  <a:tcPr anchor="ctr"/>
-                </a:tc>
-                <a:tc>
-                  <a:txBody>
-                    <a:bodyPr/>
-                    <a:lstStyle>
-                      <a:defPPr>
-                        <a:defRPr lang="es-ES"/>
-                      </a:defPPr>
-                    </a:lstStyle>
-                    <a:p>
-                      <a:pPr algn="l" rtl="0" fontAlgn="b"/>
-                      <a:r>
-                        <a:rPr lang="es-ES" sz="1800" b="0" u="none" strike="noStrike" noProof="0" dirty="0">
-                          <a:solidFill>
-                            <a:schemeClr val="tx1"/>
-                          </a:solidFill>
-                          <a:effectLst/>
-                        </a:rPr>
-                        <a:t>90</a:t>
-                      </a:r>
-                      <a:endParaRPr lang="es-ES" sz="1800" b="0" i="0" u="none" strike="noStrike" noProof="0" dirty="0">
-                        <a:solidFill>
-                          <a:schemeClr val="tx1"/>
-                        </a:solidFill>
-                        <a:effectLst/>
-                        <a:latin typeface="+mn-lt"/>
-                      </a:endParaRPr>
-                    </a:p>
-                  </a:txBody>
-                  <a:tcPr anchor="ctr"/>
-                </a:tc>
-                <a:extLst>
-                  <a:ext uri="{0D108BD9-81ED-4DB2-BD59-A6C34878D82A}">
-                    <a16:rowId xmlns:a16="http://schemas.microsoft.com/office/drawing/2014/main" val="1498944196"/>
-                  </a:ext>
-                </a:extLst>
-              </a:tr>
-              <a:tr h="562010">
-                <a:tc>
-                  <a:txBody>
-                    <a:bodyPr/>
-                    <a:lstStyle>
-                      <a:defPPr>
-                        <a:defRPr lang="es-ES"/>
-                      </a:defPPr>
-                    </a:lstStyle>
-                    <a:p>
-                      <a:pPr lvl="1" algn="l" rtl="0" fontAlgn="b"/>
-                      <a:r>
-                        <a:rPr lang="es-ES" sz="1800" b="0" u="none" strike="noStrike" noProof="0" dirty="0">
-                          <a:solidFill>
-                            <a:schemeClr val="tx1"/>
-                          </a:solidFill>
-                          <a:effectLst/>
-                        </a:rPr>
-                        <a:t>15 % de los ingresos</a:t>
-                      </a:r>
-                      <a:endParaRPr lang="es-ES" sz="1800" b="0" i="0" u="none" strike="noStrike" noProof="0" dirty="0">
-                        <a:solidFill>
-                          <a:schemeClr val="tx1"/>
-                        </a:solidFill>
-                        <a:effectLst/>
-                        <a:latin typeface="+mn-lt"/>
-                      </a:endParaRPr>
-                    </a:p>
-                  </a:txBody>
-                  <a:tcPr marL="288000" anchor="ctr"/>
-                </a:tc>
-                <a:tc>
-                  <a:txBody>
-                    <a:bodyPr/>
-                    <a:lstStyle>
-                      <a:defPPr>
-                        <a:defRPr lang="es-ES"/>
-                      </a:defPPr>
-                    </a:lstStyle>
-                    <a:p>
-                      <a:pPr algn="l" rtl="0" fontAlgn="b"/>
-                      <a:r>
-                        <a:rPr lang="es-ES" sz="1800" b="0" u="none" strike="noStrike" noProof="0" dirty="0">
-                          <a:solidFill>
-                            <a:schemeClr val="tx1"/>
-                          </a:solidFill>
-                          <a:effectLst/>
-                        </a:rPr>
-                        <a:t>5 625 000</a:t>
-                      </a:r>
-                      <a:endParaRPr lang="es-ES" sz="1800" b="0" i="0" u="none" strike="noStrike" noProof="0" dirty="0">
-                        <a:solidFill>
-                          <a:schemeClr val="tx1"/>
-                        </a:solidFill>
-                        <a:effectLst/>
-                        <a:latin typeface="+mn-lt"/>
-                      </a:endParaRPr>
-                    </a:p>
-                  </a:txBody>
-                  <a:tcPr anchor="ctr"/>
-                </a:tc>
-                <a:tc>
-                  <a:txBody>
-                    <a:bodyPr/>
-                    <a:lstStyle>
-                      <a:defPPr>
-                        <a:defRPr lang="es-ES"/>
-                      </a:defPPr>
-                    </a:lstStyle>
-                    <a:p>
-                      <a:pPr algn="l" rtl="0" fontAlgn="b"/>
-                      <a:r>
-                        <a:rPr lang="es-ES" sz="1800" b="0" u="none" strike="noStrike" noProof="0" dirty="0">
-                          <a:solidFill>
-                            <a:schemeClr val="tx1"/>
-                          </a:solidFill>
-                          <a:effectLst/>
-                        </a:rPr>
-                        <a:t>48 000 000</a:t>
-                      </a:r>
-                      <a:endParaRPr lang="es-ES" sz="1800" b="0" i="0" u="none" strike="noStrike" noProof="0" dirty="0">
-                        <a:solidFill>
-                          <a:schemeClr val="tx1"/>
-                        </a:solidFill>
-                        <a:effectLst/>
-                        <a:latin typeface="+mn-lt"/>
-                      </a:endParaRPr>
-                    </a:p>
-                  </a:txBody>
-                  <a:tcPr anchor="ctr"/>
-                </a:tc>
-                <a:tc>
-                  <a:txBody>
-                    <a:bodyPr/>
-                    <a:lstStyle>
-                      <a:defPPr>
-                        <a:defRPr lang="es-ES"/>
-                      </a:defPPr>
-                    </a:lstStyle>
-                    <a:p>
-                      <a:pPr algn="l" rtl="0" fontAlgn="b"/>
-                      <a:r>
-                        <a:rPr lang="es-ES" sz="1800" b="0" u="none" strike="noStrike" noProof="0" dirty="0">
-                          <a:solidFill>
-                            <a:schemeClr val="tx1"/>
-                          </a:solidFill>
-                          <a:effectLst/>
-                        </a:rPr>
-                        <a:t>216 000 000</a:t>
-                      </a:r>
-                      <a:endParaRPr lang="es-ES" sz="1800" b="0" i="0" u="none" strike="noStrike" noProof="0" dirty="0">
-                        <a:solidFill>
-                          <a:schemeClr val="tx1"/>
-                        </a:solidFill>
-                        <a:effectLst/>
-                        <a:latin typeface="+mn-lt"/>
-                      </a:endParaRPr>
-                    </a:p>
-                  </a:txBody>
-                  <a:tcPr anchor="ctr"/>
-                </a:tc>
-                <a:extLst>
-                  <a:ext uri="{0D108BD9-81ED-4DB2-BD59-A6C34878D82A}">
-                    <a16:rowId xmlns:a16="http://schemas.microsoft.com/office/drawing/2014/main" val="2561606819"/>
-                  </a:ext>
-                </a:extLst>
-              </a:tr>
-              <a:tr h="562010">
-                <a:tc>
-                  <a:txBody>
-                    <a:bodyPr/>
-                    <a:lstStyle>
-                      <a:defPPr>
-                        <a:defRPr lang="es-ES"/>
-                      </a:defPPr>
-                    </a:lstStyle>
-                    <a:p>
-                      <a:pPr algn="l" rtl="0" fontAlgn="b"/>
-                      <a:r>
-                        <a:rPr lang="es-ES" sz="1800" b="1" u="none" strike="noStrike" noProof="0" dirty="0">
-                          <a:solidFill>
-                            <a:schemeClr val="tx1"/>
-                          </a:solidFill>
-                          <a:effectLst/>
-                        </a:rPr>
-                        <a:t>Beneficio bruto</a:t>
-                      </a:r>
-                      <a:endParaRPr lang="es-ES" sz="1800" b="1" i="0" u="none" strike="noStrike" noProof="0" dirty="0">
-                        <a:solidFill>
-                          <a:schemeClr val="tx1"/>
-                        </a:solidFill>
-                        <a:effectLst/>
-                        <a:latin typeface="+mn-lt"/>
-                      </a:endParaRPr>
-                    </a:p>
-                  </a:txBody>
-                  <a:tcPr marL="288000" anchor="ctr"/>
-                </a:tc>
-                <a:tc>
-                  <a:txBody>
-                    <a:bodyPr/>
-                    <a:lstStyle>
-                      <a:defPPr>
-                        <a:defRPr lang="es-ES"/>
-                      </a:defPPr>
-                    </a:lstStyle>
-                    <a:p>
-                      <a:pPr algn="l" rtl="0" fontAlgn="b"/>
-                      <a:r>
-                        <a:rPr lang="es-ES" sz="1800" b="1" u="none" strike="noStrike" noProof="0" dirty="0">
-                          <a:solidFill>
-                            <a:schemeClr val="tx1"/>
-                          </a:solidFill>
-                          <a:effectLst/>
-                        </a:rPr>
-                        <a:t>5 625 000</a:t>
-                      </a:r>
-                      <a:endParaRPr lang="es-ES" sz="1800" b="1" i="0" u="none" strike="noStrike" noProof="0" dirty="0">
-                        <a:solidFill>
-                          <a:schemeClr val="tx1"/>
-                        </a:solidFill>
-                        <a:effectLst/>
-                        <a:latin typeface="+mn-lt"/>
-                      </a:endParaRPr>
-                    </a:p>
-                  </a:txBody>
-                  <a:tcPr anchor="ctr"/>
-                </a:tc>
-                <a:tc>
-                  <a:txBody>
-                    <a:bodyPr/>
-                    <a:lstStyle>
-                      <a:defPPr>
-                        <a:defRPr lang="es-ES"/>
-                      </a:defPPr>
-                    </a:lstStyle>
-                    <a:p>
-                      <a:pPr algn="l" rtl="0" fontAlgn="b"/>
-                      <a:r>
-                        <a:rPr lang="es-ES" sz="1800" b="1" u="none" strike="noStrike" noProof="0" dirty="0">
-                          <a:solidFill>
-                            <a:schemeClr val="tx1"/>
-                          </a:solidFill>
-                          <a:effectLst/>
-                        </a:rPr>
-                        <a:t>48 000 000</a:t>
-                      </a:r>
-                      <a:endParaRPr lang="es-ES" sz="1800" b="1" i="0" u="none" strike="noStrike" noProof="0" dirty="0">
-                        <a:solidFill>
-                          <a:schemeClr val="tx1"/>
-                        </a:solidFill>
-                        <a:effectLst/>
-                        <a:latin typeface="+mn-lt"/>
-                      </a:endParaRPr>
-                    </a:p>
-                  </a:txBody>
-                  <a:tcPr anchor="ctr"/>
-                </a:tc>
-                <a:tc>
-                  <a:txBody>
-                    <a:bodyPr/>
-                    <a:lstStyle>
-                      <a:defPPr>
-                        <a:defRPr lang="es-ES"/>
-                      </a:defPPr>
-                    </a:lstStyle>
-                    <a:p>
-                      <a:pPr algn="l" rtl="0" fontAlgn="b"/>
-                      <a:r>
-                        <a:rPr lang="es-ES" sz="1800" b="1" u="none" strike="noStrike" noProof="0" dirty="0">
-                          <a:solidFill>
-                            <a:schemeClr val="tx1"/>
-                          </a:solidFill>
-                          <a:effectLst/>
-                        </a:rPr>
-                        <a:t>216 000 000</a:t>
-                      </a:r>
-                      <a:endParaRPr lang="es-ES" sz="1800" b="1" i="0" u="none" strike="noStrike" noProof="0" dirty="0">
-                        <a:solidFill>
-                          <a:schemeClr val="tx1"/>
-                        </a:solidFill>
-                        <a:effectLst/>
-                        <a:latin typeface="+mn-lt"/>
-                      </a:endParaRPr>
-                    </a:p>
-                  </a:txBody>
-                  <a:tcPr anchor="ctr"/>
-                </a:tc>
-                <a:extLst>
-                  <a:ext uri="{0D108BD9-81ED-4DB2-BD59-A6C34878D82A}">
-                    <a16:rowId xmlns:a16="http://schemas.microsoft.com/office/drawing/2014/main" val="365120011"/>
-                  </a:ext>
-                </a:extLst>
-              </a:tr>
-            </a:tbl>
-          </a:graphicData>
-        </a:graphic>
-      </p:graphicFrame>
-      <p:sp>
-        <p:nvSpPr>
-          <p:cNvPr id="4" name="Marcador de número de diapositiva 3">
-            <a:extLst>
-              <a:ext uri="{FF2B5EF4-FFF2-40B4-BE49-F238E27FC236}">
-                <a16:creationId xmlns:a16="http://schemas.microsoft.com/office/drawing/2014/main" id="{BFE50FF3-CE3C-DDFB-B8EA-5BA1668A1068}"/>
-              </a:ext>
-            </a:extLst>
-          </p:cNvPr>
-          <p:cNvSpPr>
-            <a:spLocks noGrp="1"/>
-          </p:cNvSpPr>
-          <p:nvPr>
-            <p:ph type="sldNum" sz="quarter" idx="4"/>
-          </p:nvPr>
-        </p:nvSpPr>
-        <p:spPr>
-          <a:xfrm>
-            <a:off x="914400" y="6246254"/>
-            <a:ext cx="631065" cy="296214"/>
-          </a:xfrm>
-        </p:spPr>
-        <p:txBody>
-          <a:bodyPr rtlCol="0"/>
-          <a:lstStyle>
-            <a:defPPr>
-              <a:defRPr lang="es-ES"/>
-            </a:defPPr>
-          </a:lstStyle>
-          <a:p>
-            <a:pPr rtl="0"/>
-            <a:fld id="{B5CEABB6-07DC-46E8-9B57-56EC44A396E5}" type="slidenum">
-              <a:rPr lang="es-ES" smtClean="0"/>
-              <a:pPr/>
-              <a:t>12</a:t>
-            </a:fld>
-            <a:endParaRPr lang="es-ES" dirty="0"/>
-          </a:p>
-        </p:txBody>
-      </p:sp>
-    </p:spTree>
-    <p:extLst>
-      <p:ext uri="{BB962C8B-B14F-4D97-AF65-F5344CB8AC3E}">
-        <p14:creationId xmlns:p14="http://schemas.microsoft.com/office/powerpoint/2010/main" val="2323500703"/>
-      </p:ext>
-    </p:extLst>
-  </p:cSld>
-  <p:clrMapOvr>
-    <a:masterClrMapping/>
-  </p:clrMapOvr>
-</p:sld>
-</file>
-
-<file path=ppt/slides/slide13.xml><?xml version="1.0" encoding="utf-8"?>
-<p:sld xmlns:a="http://schemas.openxmlformats.org/drawingml/2006/main" xmlns:r="http://schemas.openxmlformats.org/officeDocument/2006/relationships" xmlns:p="http://schemas.openxmlformats.org/presentationml/2006/main">
-  <p:cSld>
-    <p:bg>
-      <p:bgPr>
-        <a:solidFill>
-          <a:schemeClr val="tx1"/>
-        </a:solidFill>
-        <a:effectLst/>
-      </p:bgPr>
-    </p:bg>
-    <p:spTree>
-      <p:nvGrpSpPr>
-        <p:cNvPr id="1" name=""/>
-        <p:cNvGrpSpPr/>
-        <p:nvPr/>
-      </p:nvGrpSpPr>
-      <p:grpSpPr>
-        <a:xfrm>
-          <a:off x="0" y="0"/>
-          <a:ext cx="0" cy="0"/>
-          <a:chOff x="0" y="0"/>
-          <a:chExt cx="0" cy="0"/>
-        </a:xfrm>
-      </p:grpSpPr>
-      <p:pic>
-        <p:nvPicPr>
-          <p:cNvPr id="3" name="Gráfico 2">
-            <a:extLst>
-              <a:ext uri="{FF2B5EF4-FFF2-40B4-BE49-F238E27FC236}">
-                <a16:creationId xmlns:a16="http://schemas.microsoft.com/office/drawing/2014/main" id="{77B52831-0916-294C-0ACB-9774B9805D9B}"/>
-              </a:ext>
-              <a:ext uri="{C183D7F6-B498-43B3-948B-1728B52AA6E4}">
-                <adec:decorative xmlns:adec="http://schemas.microsoft.com/office/drawing/2017/decorative" val="1"/>
-              </a:ext>
-            </a:extLst>
-          </p:cNvPr>
-          <p:cNvPicPr>
-            <a:picLocks noChangeAspect="1"/>
-          </p:cNvPicPr>
-          <p:nvPr/>
-        </p:nvPicPr>
-        <p:blipFill rotWithShape="1">
-          <a:blip r:embed="rId3">
-            <a:extLst>
-              <a:ext uri="{96DAC541-7B7A-43D3-8B79-37D633B846F1}">
-                <asvg:svgBlip xmlns:asvg="http://schemas.microsoft.com/office/drawing/2016/SVG/main" r:embed="rId4"/>
-              </a:ext>
-            </a:extLst>
-          </a:blip>
-          <a:srcRect l="4151" r="18577"/>
-          <a:stretch/>
-        </p:blipFill>
-        <p:spPr>
-          <a:xfrm flipH="1">
-            <a:off x="0" y="0"/>
-            <a:ext cx="5181600" cy="6858000"/>
-          </a:xfrm>
-          <a:prstGeom prst="rect">
-            <a:avLst/>
-          </a:prstGeom>
-        </p:spPr>
-      </p:pic>
-      <p:sp>
-        <p:nvSpPr>
-          <p:cNvPr id="7" name="Título 6">
-            <a:extLst>
-              <a:ext uri="{FF2B5EF4-FFF2-40B4-BE49-F238E27FC236}">
-                <a16:creationId xmlns:a16="http://schemas.microsoft.com/office/drawing/2014/main" id="{E82E216E-9EE0-9D3F-D692-083F575A3D04}"/>
-              </a:ext>
-            </a:extLst>
-          </p:cNvPr>
-          <p:cNvSpPr>
-            <a:spLocks noGrp="1"/>
-          </p:cNvSpPr>
-          <p:nvPr>
-            <p:ph type="title"/>
-          </p:nvPr>
-        </p:nvSpPr>
-        <p:spPr>
-          <a:xfrm>
-            <a:off x="6091515" y="374090"/>
-            <a:ext cx="5057104" cy="3624984"/>
-          </a:xfrm>
-        </p:spPr>
-        <p:txBody>
-          <a:bodyPr rtlCol="0"/>
-          <a:lstStyle>
-            <a:defPPr>
-              <a:defRPr lang="es-ES"/>
-            </a:defPPr>
-          </a:lstStyle>
-          <a:p>
-            <a:pPr rtl="0"/>
-            <a:r>
-              <a:rPr lang="es-ES"/>
-              <a:t>Gracias</a:t>
-            </a:r>
-          </a:p>
-        </p:txBody>
-      </p:sp>
-      <p:sp>
-        <p:nvSpPr>
-          <p:cNvPr id="10" name="Marcador de contenido 9">
-            <a:extLst>
-              <a:ext uri="{FF2B5EF4-FFF2-40B4-BE49-F238E27FC236}">
-                <a16:creationId xmlns:a16="http://schemas.microsoft.com/office/drawing/2014/main" id="{1F398FDD-E639-CF6A-B875-443655F2B31B}"/>
-              </a:ext>
-            </a:extLst>
-          </p:cNvPr>
-          <p:cNvSpPr>
-            <a:spLocks noGrp="1"/>
-          </p:cNvSpPr>
-          <p:nvPr>
-            <p:ph idx="1"/>
-          </p:nvPr>
-        </p:nvSpPr>
-        <p:spPr>
-          <a:xfrm>
-            <a:off x="6091514" y="4172989"/>
-            <a:ext cx="5057103" cy="2519363"/>
-          </a:xfrm>
-        </p:spPr>
-        <p:txBody>
-          <a:bodyPr rtlCol="0"/>
-          <a:lstStyle>
-            <a:defPPr>
-              <a:defRPr lang="es-ES"/>
-            </a:defPPr>
-          </a:lstStyle>
-          <a:p>
-            <a:pPr rtl="0"/>
-            <a:r>
-              <a:rPr lang="es-ES"/>
-              <a:t>Brita Tamm</a:t>
-            </a:r>
-          </a:p>
-          <a:p>
-            <a:pPr rtl="0"/>
-            <a:r>
-              <a:rPr lang="es-ES"/>
-              <a:t>502-555-0152</a:t>
-            </a:r>
-          </a:p>
-          <a:p>
-            <a:pPr rtl="0"/>
-            <a:r>
-              <a:rPr lang="es-ES"/>
-              <a:t>brita@firstupconsultants.com</a:t>
-            </a:r>
-          </a:p>
-          <a:p>
-            <a:pPr rtl="0"/>
-            <a:r>
-              <a:rPr lang="es-ES"/>
-              <a:t>www.firstupconsultants.com</a:t>
-            </a:r>
-          </a:p>
-        </p:txBody>
-      </p:sp>
-    </p:spTree>
-    <p:extLst>
-      <p:ext uri="{BB962C8B-B14F-4D97-AF65-F5344CB8AC3E}">
-        <p14:creationId xmlns:p14="http://schemas.microsoft.com/office/powerpoint/2010/main" val="769932640"/>
       </p:ext>
     </p:extLst>
   </p:cSld>
@@ -12820,12 +10075,23 @@
 </file>
 
 <file path=customXml/item1.xml><?xml version="1.0" encoding="utf-8"?>
-<?mso-contentType ?>
-<FormTemplates xmlns="http://schemas.microsoft.com/sharepoint/v3/contenttype/forms">
-  <Display>DocumentLibraryForm</Display>
-  <Edit>DocumentLibraryForm</Edit>
-  <New>DocumentLibraryForm</New>
-</FormTemplates>
+<p:properties xmlns:p="http://schemas.microsoft.com/office/2006/metadata/properties" xmlns:xsi="http://www.w3.org/2001/XMLSchema-instance" xmlns:pc="http://schemas.microsoft.com/office/infopath/2007/PartnerControls">
+  <documentManagement>
+    <_ip_UnifiedCompliancePolicyUIAction xmlns="http://schemas.microsoft.com/sharepoint/v3" xsi:nil="true"/>
+    <Image xmlns="71af3243-3dd4-4a8d-8c0d-dd76da1f02a5">
+      <Url xsi:nil="true"/>
+      <Description xsi:nil="true"/>
+    </Image>
+    <Status xmlns="71af3243-3dd4-4a8d-8c0d-dd76da1f02a5">Not started</Status>
+    <Background xmlns="71af3243-3dd4-4a8d-8c0d-dd76da1f02a5">false</Background>
+    <_ip_UnifiedCompliancePolicyProperties xmlns="http://schemas.microsoft.com/sharepoint/v3" xsi:nil="true"/>
+    <ImageTagsTaxHTField xmlns="71af3243-3dd4-4a8d-8c0d-dd76da1f02a5">
+      <Terms xmlns="http://schemas.microsoft.com/office/infopath/2007/PartnerControls"/>
+    </ImageTagsTaxHTField>
+    <TaxCatchAll xmlns="230e9df3-be65-4c73-a93b-d1236ebd677e" xsi:nil="true"/>
+    <MediaServiceKeyPoints xmlns="71af3243-3dd4-4a8d-8c0d-dd76da1f02a5" xsi:nil="true"/>
+  </documentManagement>
+</p:properties>
 </file>
 
 <file path=customXml/item2.xml><?xml version="1.0" encoding="utf-8"?>
@@ -13141,29 +10407,22 @@
 </file>
 
 <file path=customXml/item3.xml><?xml version="1.0" encoding="utf-8"?>
-<p:properties xmlns:p="http://schemas.microsoft.com/office/2006/metadata/properties" xmlns:xsi="http://www.w3.org/2001/XMLSchema-instance" xmlns:pc="http://schemas.microsoft.com/office/infopath/2007/PartnerControls">
-  <documentManagement>
-    <_ip_UnifiedCompliancePolicyUIAction xmlns="http://schemas.microsoft.com/sharepoint/v3" xsi:nil="true"/>
-    <Image xmlns="71af3243-3dd4-4a8d-8c0d-dd76da1f02a5">
-      <Url xsi:nil="true"/>
-      <Description xsi:nil="true"/>
-    </Image>
-    <Status xmlns="71af3243-3dd4-4a8d-8c0d-dd76da1f02a5">Not started</Status>
-    <Background xmlns="71af3243-3dd4-4a8d-8c0d-dd76da1f02a5">false</Background>
-    <_ip_UnifiedCompliancePolicyProperties xmlns="http://schemas.microsoft.com/sharepoint/v3" xsi:nil="true"/>
-    <ImageTagsTaxHTField xmlns="71af3243-3dd4-4a8d-8c0d-dd76da1f02a5">
-      <Terms xmlns="http://schemas.microsoft.com/office/infopath/2007/PartnerControls"/>
-    </ImageTagsTaxHTField>
-    <TaxCatchAll xmlns="230e9df3-be65-4c73-a93b-d1236ebd677e" xsi:nil="true"/>
-    <MediaServiceKeyPoints xmlns="71af3243-3dd4-4a8d-8c0d-dd76da1f02a5" xsi:nil="true"/>
-  </documentManagement>
-</p:properties>
+<?mso-contentType ?>
+<FormTemplates xmlns="http://schemas.microsoft.com/sharepoint/v3/contenttype/forms">
+  <Display>DocumentLibraryForm</Display>
+  <Edit>DocumentLibraryForm</Edit>
+  <New>DocumentLibraryForm</New>
+</FormTemplates>
 </file>
 
 <file path=customXml/itemProps1.xml><?xml version="1.0" encoding="utf-8"?>
-<ds:datastoreItem xmlns:ds="http://schemas.openxmlformats.org/officeDocument/2006/customXml" ds:itemID="{B7B39BD0-040C-43BE-B0E4-512B09E8003F}">
+<ds:datastoreItem xmlns:ds="http://schemas.openxmlformats.org/officeDocument/2006/customXml" ds:itemID="{AB045227-5724-4DBF-9712-031B1BFB2C3C}">
   <ds:schemaRefs>
-    <ds:schemaRef ds:uri="http://schemas.microsoft.com/sharepoint/v3/contenttype/forms"/>
+    <ds:schemaRef ds:uri="http://schemas.microsoft.com/office/2006/metadata/properties"/>
+    <ds:schemaRef ds:uri="http://schemas.microsoft.com/office/infopath/2007/PartnerControls"/>
+    <ds:schemaRef ds:uri="http://schemas.microsoft.com/sharepoint/v3"/>
+    <ds:schemaRef ds:uri="71af3243-3dd4-4a8d-8c0d-dd76da1f02a5"/>
+    <ds:schemaRef ds:uri="230e9df3-be65-4c73-a93b-d1236ebd677e"/>
   </ds:schemaRefs>
 </ds:datastoreItem>
 </file>
@@ -13190,13 +10449,9 @@
 </file>
 
 <file path=customXml/itemProps3.xml><?xml version="1.0" encoding="utf-8"?>
-<ds:datastoreItem xmlns:ds="http://schemas.openxmlformats.org/officeDocument/2006/customXml" ds:itemID="{AB045227-5724-4DBF-9712-031B1BFB2C3C}">
+<ds:datastoreItem xmlns:ds="http://schemas.openxmlformats.org/officeDocument/2006/customXml" ds:itemID="{B7B39BD0-040C-43BE-B0E4-512B09E8003F}">
   <ds:schemaRefs>
-    <ds:schemaRef ds:uri="http://schemas.microsoft.com/office/2006/metadata/properties"/>
-    <ds:schemaRef ds:uri="http://schemas.microsoft.com/office/infopath/2007/PartnerControls"/>
-    <ds:schemaRef ds:uri="http://schemas.microsoft.com/sharepoint/v3"/>
-    <ds:schemaRef ds:uri="71af3243-3dd4-4a8d-8c0d-dd76da1f02a5"/>
-    <ds:schemaRef ds:uri="230e9df3-be65-4c73-a93b-d1236ebd677e"/>
+    <ds:schemaRef ds:uri="http://schemas.microsoft.com/sharepoint/v3/contenttype/forms"/>
   </ds:schemaRefs>
 </ds:datastoreItem>
 </file>
